--- a/slides/05-Search-ClassicalSearch.pptx
+++ b/slides/05-Search-ClassicalSearch.pptx
@@ -1141,7 +1141,7 @@
           </a:lstStyle>
           <a:p>
             <a:r>
-              <a:rPr lang="en-US" smtClean="0"/>
+              <a:rPr lang="en-US"/>
               <a:t>Click to edit Master title style</a:t>
             </a:r>
             <a:endParaRPr lang="en-US" dirty="0"/>
@@ -1258,7 +1258,7 @@
           </a:lstStyle>
           <a:p>
             <a:r>
-              <a:rPr lang="en-US" smtClean="0"/>
+              <a:rPr lang="en-US"/>
               <a:t>Click to edit Master subtitle style</a:t>
             </a:r>
             <a:endParaRPr lang="en-US" dirty="0"/>
@@ -1281,10 +1281,9 @@
           <a:lstStyle/>
           <a:p>
             <a:r>
-              <a:rPr lang="en-US" smtClean="0"/>
+              <a:rPr lang="en-US"/>
               <a:t>10/20/2010</a:t>
             </a:r>
-            <a:endParaRPr lang="en-US"/>
           </a:p>
         </p:txBody>
       </p:sp>
@@ -1418,7 +1417,7 @@
           </a:lstStyle>
           <a:p>
             <a:r>
-              <a:rPr lang="en-US" smtClean="0"/>
+              <a:rPr lang="en-US"/>
               <a:t>Click to edit Master title style</a:t>
             </a:r>
             <a:endParaRPr lang="en-US" dirty="0"/>
@@ -1492,7 +1491,7 @@
           </a:lstStyle>
           <a:p>
             <a:r>
-              <a:rPr lang="en-US" smtClean="0"/>
+              <a:rPr lang="en-US"/>
               <a:t>Click icon to add picture</a:t>
             </a:r>
             <a:endParaRPr lang="en-US" dirty="0"/>
@@ -1558,7 +1557,7 @@
           <a:p>
             <a:pPr lvl="0"/>
             <a:r>
-              <a:rPr lang="en-US" smtClean="0"/>
+              <a:rPr lang="en-US"/>
               <a:t>Click to edit Master text styles</a:t>
             </a:r>
           </a:p>
@@ -1580,10 +1579,9 @@
           <a:lstStyle/>
           <a:p>
             <a:r>
-              <a:rPr lang="en-US" smtClean="0"/>
+              <a:rPr lang="en-US"/>
               <a:t>10/20/2010</a:t>
             </a:r>
-            <a:endParaRPr lang="en-US"/>
           </a:p>
         </p:txBody>
       </p:sp>
@@ -1685,7 +1683,7 @@
           </a:lstStyle>
           <a:p>
             <a:r>
-              <a:rPr lang="en-US" smtClean="0"/>
+              <a:rPr lang="en-US"/>
               <a:t>Click to edit Master title style</a:t>
             </a:r>
             <a:endParaRPr lang="en-US" dirty="0"/>
@@ -1751,7 +1749,7 @@
           <a:p>
             <a:pPr lvl="0"/>
             <a:r>
-              <a:rPr lang="en-US" smtClean="0"/>
+              <a:rPr lang="en-US"/>
               <a:t>Click to edit Master text styles</a:t>
             </a:r>
           </a:p>
@@ -1773,10 +1771,9 @@
           <a:lstStyle/>
           <a:p>
             <a:r>
-              <a:rPr lang="en-US" smtClean="0"/>
+              <a:rPr lang="en-US"/>
               <a:t>10/20/2010</a:t>
             </a:r>
-            <a:endParaRPr lang="en-US"/>
           </a:p>
         </p:txBody>
       </p:sp>
@@ -1878,7 +1875,7 @@
           </a:lstStyle>
           <a:p>
             <a:r>
-              <a:rPr lang="en-US" smtClean="0"/>
+              <a:rPr lang="en-US"/>
               <a:t>Click to edit Master title style</a:t>
             </a:r>
             <a:endParaRPr lang="en-US" dirty="0"/>
@@ -1946,7 +1943,7 @@
           <a:p>
             <a:pPr lvl="0"/>
             <a:r>
-              <a:rPr lang="en-US" smtClean="0"/>
+              <a:rPr lang="en-US"/>
               <a:t>Click to edit Master text styles</a:t>
             </a:r>
           </a:p>
@@ -2013,7 +2010,7 @@
           <a:p>
             <a:pPr lvl="0"/>
             <a:r>
-              <a:rPr lang="en-US" smtClean="0"/>
+              <a:rPr lang="en-US"/>
               <a:t>Click to edit Master text styles</a:t>
             </a:r>
           </a:p>
@@ -2035,10 +2032,9 @@
           <a:lstStyle/>
           <a:p>
             <a:r>
-              <a:rPr lang="en-US" smtClean="0"/>
+              <a:rPr lang="en-US"/>
               <a:t>10/20/2010</a:t>
             </a:r>
-            <a:endParaRPr lang="en-US"/>
           </a:p>
         </p:txBody>
       </p:sp>
@@ -2372,7 +2368,7 @@
           </a:lstStyle>
           <a:p>
             <a:r>
-              <a:rPr lang="en-US" smtClean="0"/>
+              <a:rPr lang="en-US"/>
               <a:t>Click to edit Master title style</a:t>
             </a:r>
             <a:endParaRPr lang="en-US" dirty="0"/>
@@ -2438,7 +2434,7 @@
           <a:p>
             <a:pPr lvl="0"/>
             <a:r>
-              <a:rPr lang="en-US" smtClean="0"/>
+              <a:rPr lang="en-US"/>
               <a:t>Click to edit Master text styles</a:t>
             </a:r>
           </a:p>
@@ -2460,10 +2456,9 @@
           <a:lstStyle/>
           <a:p>
             <a:r>
-              <a:rPr lang="en-US" smtClean="0"/>
+              <a:rPr lang="en-US"/>
               <a:t>10/20/2010</a:t>
             </a:r>
-            <a:endParaRPr lang="en-US"/>
           </a:p>
         </p:txBody>
       </p:sp>
@@ -2561,7 +2556,7 @@
           <a:lstStyle/>
           <a:p>
             <a:r>
-              <a:rPr lang="en-US" smtClean="0"/>
+              <a:rPr lang="en-US"/>
               <a:t>Click to edit Master title style</a:t>
             </a:r>
             <a:endParaRPr lang="en-US" dirty="0"/>
@@ -2633,7 +2628,7 @@
           <a:p>
             <a:pPr lvl="0"/>
             <a:r>
-              <a:rPr lang="en-US" smtClean="0"/>
+              <a:rPr lang="en-US"/>
               <a:t>Click to edit Master text styles</a:t>
             </a:r>
           </a:p>
@@ -2700,7 +2695,7 @@
           <a:p>
             <a:pPr lvl="0"/>
             <a:r>
-              <a:rPr lang="en-US" smtClean="0"/>
+              <a:rPr lang="en-US"/>
               <a:t>Click to edit Master text styles</a:t>
             </a:r>
           </a:p>
@@ -2771,7 +2766,7 @@
           <a:p>
             <a:pPr lvl="0"/>
             <a:r>
-              <a:rPr lang="en-US" smtClean="0"/>
+              <a:rPr lang="en-US"/>
               <a:t>Click to edit Master text styles</a:t>
             </a:r>
           </a:p>
@@ -2838,7 +2833,7 @@
           <a:p>
             <a:pPr lvl="0"/>
             <a:r>
-              <a:rPr lang="en-US" smtClean="0"/>
+              <a:rPr lang="en-US"/>
               <a:t>Click to edit Master text styles</a:t>
             </a:r>
           </a:p>
@@ -2909,7 +2904,7 @@
           <a:p>
             <a:pPr lvl="0"/>
             <a:r>
-              <a:rPr lang="en-US" smtClean="0"/>
+              <a:rPr lang="en-US"/>
               <a:t>Click to edit Master text styles</a:t>
             </a:r>
           </a:p>
@@ -2976,7 +2971,7 @@
           <a:p>
             <a:pPr lvl="0"/>
             <a:r>
-              <a:rPr lang="en-US" smtClean="0"/>
+              <a:rPr lang="en-US"/>
               <a:t>Click to edit Master text styles</a:t>
             </a:r>
           </a:p>
@@ -2998,10 +2993,9 @@
           <a:lstStyle/>
           <a:p>
             <a:r>
-              <a:rPr lang="en-US" smtClean="0"/>
+              <a:rPr lang="en-US"/>
               <a:t>10/20/2010</a:t>
             </a:r>
-            <a:endParaRPr lang="en-US"/>
           </a:p>
         </p:txBody>
       </p:sp>
@@ -3189,7 +3183,7 @@
           <a:lstStyle/>
           <a:p>
             <a:r>
-              <a:rPr lang="en-US" smtClean="0"/>
+              <a:rPr lang="en-US"/>
               <a:t>Click to edit Master title style</a:t>
             </a:r>
             <a:endParaRPr lang="en-US" dirty="0"/>
@@ -3261,7 +3255,7 @@
           <a:p>
             <a:pPr lvl="0"/>
             <a:r>
-              <a:rPr lang="en-US" smtClean="0"/>
+              <a:rPr lang="en-US"/>
               <a:t>Click to edit Master text styles</a:t>
             </a:r>
           </a:p>
@@ -3339,7 +3333,7 @@
           </a:lstStyle>
           <a:p>
             <a:r>
-              <a:rPr lang="en-US" smtClean="0"/>
+              <a:rPr lang="en-US"/>
               <a:t>Click icon to add picture</a:t>
             </a:r>
             <a:endParaRPr lang="en-US" dirty="0"/>
@@ -3407,7 +3401,7 @@
           <a:p>
             <a:pPr lvl="0"/>
             <a:r>
-              <a:rPr lang="en-US" smtClean="0"/>
+              <a:rPr lang="en-US"/>
               <a:t>Click to edit Master text styles</a:t>
             </a:r>
           </a:p>
@@ -3478,7 +3472,7 @@
           <a:p>
             <a:pPr lvl="0"/>
             <a:r>
-              <a:rPr lang="en-US" smtClean="0"/>
+              <a:rPr lang="en-US"/>
               <a:t>Click to edit Master text styles</a:t>
             </a:r>
           </a:p>
@@ -3556,7 +3550,7 @@
           </a:lstStyle>
           <a:p>
             <a:r>
-              <a:rPr lang="en-US" smtClean="0"/>
+              <a:rPr lang="en-US"/>
               <a:t>Click icon to add picture</a:t>
             </a:r>
             <a:endParaRPr lang="en-US" dirty="0"/>
@@ -3624,7 +3618,7 @@
           <a:p>
             <a:pPr lvl="0"/>
             <a:r>
-              <a:rPr lang="en-US" smtClean="0"/>
+              <a:rPr lang="en-US"/>
               <a:t>Click to edit Master text styles</a:t>
             </a:r>
           </a:p>
@@ -3695,7 +3689,7 @@
           <a:p>
             <a:pPr lvl="0"/>
             <a:r>
-              <a:rPr lang="en-US" smtClean="0"/>
+              <a:rPr lang="en-US"/>
               <a:t>Click to edit Master text styles</a:t>
             </a:r>
           </a:p>
@@ -3773,7 +3767,7 @@
           </a:lstStyle>
           <a:p>
             <a:r>
-              <a:rPr lang="en-US" smtClean="0"/>
+              <a:rPr lang="en-US"/>
               <a:t>Click icon to add picture</a:t>
             </a:r>
             <a:endParaRPr lang="en-US" dirty="0"/>
@@ -3841,7 +3835,7 @@
           <a:p>
             <a:pPr lvl="0"/>
             <a:r>
-              <a:rPr lang="en-US" smtClean="0"/>
+              <a:rPr lang="en-US"/>
               <a:t>Click to edit Master text styles</a:t>
             </a:r>
           </a:p>
@@ -3863,10 +3857,9 @@
           <a:lstStyle/>
           <a:p>
             <a:r>
-              <a:rPr lang="en-US" smtClean="0"/>
+              <a:rPr lang="en-US"/>
               <a:t>10/20/2010</a:t>
             </a:r>
-            <a:endParaRPr lang="en-US"/>
           </a:p>
         </p:txBody>
       </p:sp>
@@ -3959,7 +3952,7 @@
           <a:lstStyle/>
           <a:p>
             <a:r>
-              <a:rPr lang="en-US" smtClean="0"/>
+              <a:rPr lang="en-US"/>
               <a:t>Click to edit Master title style</a:t>
             </a:r>
             <a:endParaRPr lang="en-US" dirty="0"/>
@@ -3983,35 +3976,35 @@
           <a:p>
             <a:pPr lvl="0"/>
             <a:r>
-              <a:rPr lang="en-US" smtClean="0"/>
+              <a:rPr lang="en-US"/>
               <a:t>Click to edit Master text styles</a:t>
             </a:r>
           </a:p>
           <a:p>
             <a:pPr lvl="1"/>
             <a:r>
-              <a:rPr lang="en-US" smtClean="0"/>
+              <a:rPr lang="en-US"/>
               <a:t>Second level</a:t>
             </a:r>
           </a:p>
           <a:p>
             <a:pPr lvl="2"/>
             <a:r>
-              <a:rPr lang="en-US" smtClean="0"/>
+              <a:rPr lang="en-US"/>
               <a:t>Third level</a:t>
             </a:r>
           </a:p>
           <a:p>
             <a:pPr lvl="3"/>
             <a:r>
-              <a:rPr lang="en-US" smtClean="0"/>
+              <a:rPr lang="en-US"/>
               <a:t>Fourth level</a:t>
             </a:r>
           </a:p>
           <a:p>
             <a:pPr lvl="4"/>
             <a:r>
-              <a:rPr lang="en-US" smtClean="0"/>
+              <a:rPr lang="en-US"/>
               <a:t>Fifth level</a:t>
             </a:r>
             <a:endParaRPr lang="en-US" dirty="0"/>
@@ -4034,10 +4027,9 @@
           <a:lstStyle/>
           <a:p>
             <a:r>
-              <a:rPr lang="en-US" smtClean="0"/>
+              <a:rPr lang="en-US"/>
               <a:t>10/20/2010</a:t>
             </a:r>
-            <a:endParaRPr lang="en-US"/>
           </a:p>
         </p:txBody>
       </p:sp>
@@ -4139,7 +4131,7 @@
           </a:lstStyle>
           <a:p>
             <a:r>
-              <a:rPr lang="en-US" smtClean="0"/>
+              <a:rPr lang="en-US"/>
               <a:t>Click to edit Master title style</a:t>
             </a:r>
             <a:endParaRPr lang="en-US" dirty="0"/>
@@ -4168,35 +4160,35 @@
           <a:p>
             <a:pPr lvl="0"/>
             <a:r>
-              <a:rPr lang="en-US" smtClean="0"/>
+              <a:rPr lang="en-US"/>
               <a:t>Click to edit Master text styles</a:t>
             </a:r>
           </a:p>
           <a:p>
             <a:pPr lvl="1"/>
             <a:r>
-              <a:rPr lang="en-US" smtClean="0"/>
+              <a:rPr lang="en-US"/>
               <a:t>Second level</a:t>
             </a:r>
           </a:p>
           <a:p>
             <a:pPr lvl="2"/>
             <a:r>
-              <a:rPr lang="en-US" smtClean="0"/>
+              <a:rPr lang="en-US"/>
               <a:t>Third level</a:t>
             </a:r>
           </a:p>
           <a:p>
             <a:pPr lvl="3"/>
             <a:r>
-              <a:rPr lang="en-US" smtClean="0"/>
+              <a:rPr lang="en-US"/>
               <a:t>Fourth level</a:t>
             </a:r>
           </a:p>
           <a:p>
             <a:pPr lvl="4"/>
             <a:r>
-              <a:rPr lang="en-US" smtClean="0"/>
+              <a:rPr lang="en-US"/>
               <a:t>Fifth level</a:t>
             </a:r>
             <a:endParaRPr lang="en-US" dirty="0"/>
@@ -4219,10 +4211,9 @@
           <a:lstStyle/>
           <a:p>
             <a:r>
-              <a:rPr lang="en-US" smtClean="0"/>
+              <a:rPr lang="en-US"/>
               <a:t>10/20/2010</a:t>
             </a:r>
-            <a:endParaRPr lang="en-US"/>
           </a:p>
         </p:txBody>
       </p:sp>
@@ -4315,7 +4306,7 @@
           <a:lstStyle/>
           <a:p>
             <a:r>
-              <a:rPr lang="en-US" smtClean="0"/>
+              <a:rPr lang="en-US"/>
               <a:t>Click to edit Master title style</a:t>
             </a:r>
             <a:endParaRPr lang="en-US" dirty="0"/>
@@ -4339,35 +4330,35 @@
           <a:p>
             <a:pPr lvl="0"/>
             <a:r>
-              <a:rPr lang="en-US" smtClean="0"/>
+              <a:rPr lang="en-US"/>
               <a:t>Click to edit Master text styles</a:t>
             </a:r>
           </a:p>
           <a:p>
             <a:pPr lvl="1"/>
             <a:r>
-              <a:rPr lang="en-US" smtClean="0"/>
+              <a:rPr lang="en-US"/>
               <a:t>Second level</a:t>
             </a:r>
           </a:p>
           <a:p>
             <a:pPr lvl="2"/>
             <a:r>
-              <a:rPr lang="en-US" smtClean="0"/>
+              <a:rPr lang="en-US"/>
               <a:t>Third level</a:t>
             </a:r>
           </a:p>
           <a:p>
             <a:pPr lvl="3"/>
             <a:r>
-              <a:rPr lang="en-US" smtClean="0"/>
+              <a:rPr lang="en-US"/>
               <a:t>Fourth level</a:t>
             </a:r>
           </a:p>
           <a:p>
             <a:pPr lvl="4"/>
             <a:r>
-              <a:rPr lang="en-US" smtClean="0"/>
+              <a:rPr lang="en-US"/>
               <a:t>Fifth level</a:t>
             </a:r>
             <a:endParaRPr lang="en-US" dirty="0"/>
@@ -4390,10 +4381,9 @@
           <a:lstStyle/>
           <a:p>
             <a:r>
-              <a:rPr lang="en-US" smtClean="0"/>
+              <a:rPr lang="en-US"/>
               <a:t>10/20/2010</a:t>
             </a:r>
-            <a:endParaRPr lang="en-US"/>
           </a:p>
         </p:txBody>
       </p:sp>
@@ -4495,7 +4485,7 @@
           </a:lstStyle>
           <a:p>
             <a:r>
-              <a:rPr lang="en-US" smtClean="0"/>
+              <a:rPr lang="en-US"/>
               <a:t>Click to edit Master title style</a:t>
             </a:r>
             <a:endParaRPr lang="en-US" dirty="0"/>
@@ -4613,7 +4603,7 @@
           <a:p>
             <a:pPr lvl="0"/>
             <a:r>
-              <a:rPr lang="en-US" smtClean="0"/>
+              <a:rPr lang="en-US"/>
               <a:t>Click to edit Master text styles</a:t>
             </a:r>
           </a:p>
@@ -4635,10 +4625,9 @@
           <a:lstStyle/>
           <a:p>
             <a:r>
-              <a:rPr lang="en-US" smtClean="0"/>
+              <a:rPr lang="en-US"/>
               <a:t>10/20/2010</a:t>
             </a:r>
-            <a:endParaRPr lang="en-US"/>
           </a:p>
         </p:txBody>
       </p:sp>
@@ -4731,7 +4720,7 @@
           <a:lstStyle/>
           <a:p>
             <a:r>
-              <a:rPr lang="en-US" smtClean="0"/>
+              <a:rPr lang="en-US"/>
               <a:t>Click to edit Master title style</a:t>
             </a:r>
             <a:endParaRPr lang="en-US" dirty="0"/>
@@ -4762,35 +4751,35 @@
           <a:p>
             <a:pPr lvl="0"/>
             <a:r>
-              <a:rPr lang="en-US" smtClean="0"/>
+              <a:rPr lang="en-US"/>
               <a:t>Click to edit Master text styles</a:t>
             </a:r>
           </a:p>
           <a:p>
             <a:pPr lvl="1"/>
             <a:r>
-              <a:rPr lang="en-US" smtClean="0"/>
+              <a:rPr lang="en-US"/>
               <a:t>Second level</a:t>
             </a:r>
           </a:p>
           <a:p>
             <a:pPr lvl="2"/>
             <a:r>
-              <a:rPr lang="en-US" smtClean="0"/>
+              <a:rPr lang="en-US"/>
               <a:t>Third level</a:t>
             </a:r>
           </a:p>
           <a:p>
             <a:pPr lvl="3"/>
             <a:r>
-              <a:rPr lang="en-US" smtClean="0"/>
+              <a:rPr lang="en-US"/>
               <a:t>Fourth level</a:t>
             </a:r>
           </a:p>
           <a:p>
             <a:pPr lvl="4"/>
             <a:r>
-              <a:rPr lang="en-US" smtClean="0"/>
+              <a:rPr lang="en-US"/>
               <a:t>Fifth level</a:t>
             </a:r>
             <a:endParaRPr lang="en-US" dirty="0"/>
@@ -4821,35 +4810,35 @@
           <a:p>
             <a:pPr lvl="0"/>
             <a:r>
-              <a:rPr lang="en-US" smtClean="0"/>
+              <a:rPr lang="en-US"/>
               <a:t>Click to edit Master text styles</a:t>
             </a:r>
           </a:p>
           <a:p>
             <a:pPr lvl="1"/>
             <a:r>
-              <a:rPr lang="en-US" smtClean="0"/>
+              <a:rPr lang="en-US"/>
               <a:t>Second level</a:t>
             </a:r>
           </a:p>
           <a:p>
             <a:pPr lvl="2"/>
             <a:r>
-              <a:rPr lang="en-US" smtClean="0"/>
+              <a:rPr lang="en-US"/>
               <a:t>Third level</a:t>
             </a:r>
           </a:p>
           <a:p>
             <a:pPr lvl="3"/>
             <a:r>
-              <a:rPr lang="en-US" smtClean="0"/>
+              <a:rPr lang="en-US"/>
               <a:t>Fourth level</a:t>
             </a:r>
           </a:p>
           <a:p>
             <a:pPr lvl="4"/>
             <a:r>
-              <a:rPr lang="en-US" smtClean="0"/>
+              <a:rPr lang="en-US"/>
               <a:t>Fifth level</a:t>
             </a:r>
             <a:endParaRPr lang="en-US" dirty="0"/>
@@ -4872,10 +4861,9 @@
           <a:lstStyle/>
           <a:p>
             <a:r>
-              <a:rPr lang="en-US" smtClean="0"/>
+              <a:rPr lang="en-US"/>
               <a:t>10/20/2010</a:t>
             </a:r>
-            <a:endParaRPr lang="en-US"/>
           </a:p>
         </p:txBody>
       </p:sp>
@@ -5032,7 +5020,7 @@
           </a:lstStyle>
           <a:p>
             <a:r>
-              <a:rPr lang="en-US" smtClean="0"/>
+              <a:rPr lang="en-US"/>
               <a:t>Click to edit Master title style</a:t>
             </a:r>
             <a:endParaRPr lang="en-US" dirty="0"/>
@@ -5100,7 +5088,7 @@
           <a:p>
             <a:pPr lvl="0"/>
             <a:r>
-              <a:rPr lang="en-US" smtClean="0"/>
+              <a:rPr lang="en-US"/>
               <a:t>Click to edit Master text styles</a:t>
             </a:r>
           </a:p>
@@ -5146,35 +5134,35 @@
           <a:p>
             <a:pPr lvl="0"/>
             <a:r>
-              <a:rPr lang="en-US" smtClean="0"/>
+              <a:rPr lang="en-US"/>
               <a:t>Click to edit Master text styles</a:t>
             </a:r>
           </a:p>
           <a:p>
             <a:pPr lvl="1"/>
             <a:r>
-              <a:rPr lang="en-US" smtClean="0"/>
+              <a:rPr lang="en-US"/>
               <a:t>Second level</a:t>
             </a:r>
           </a:p>
           <a:p>
             <a:pPr lvl="2"/>
             <a:r>
-              <a:rPr lang="en-US" smtClean="0"/>
+              <a:rPr lang="en-US"/>
               <a:t>Third level</a:t>
             </a:r>
           </a:p>
           <a:p>
             <a:pPr lvl="3"/>
             <a:r>
-              <a:rPr lang="en-US" smtClean="0"/>
+              <a:rPr lang="en-US"/>
               <a:t>Fourth level</a:t>
             </a:r>
           </a:p>
           <a:p>
             <a:pPr lvl="4"/>
             <a:r>
-              <a:rPr lang="en-US" smtClean="0"/>
+              <a:rPr lang="en-US"/>
               <a:t>Fifth level</a:t>
             </a:r>
             <a:endParaRPr lang="en-US" dirty="0"/>
@@ -5242,7 +5230,7 @@
           <a:p>
             <a:pPr lvl="0"/>
             <a:r>
-              <a:rPr lang="en-US" smtClean="0"/>
+              <a:rPr lang="en-US"/>
               <a:t>Click to edit Master text styles</a:t>
             </a:r>
           </a:p>
@@ -5288,35 +5276,35 @@
           <a:p>
             <a:pPr lvl="0"/>
             <a:r>
-              <a:rPr lang="en-US" smtClean="0"/>
+              <a:rPr lang="en-US"/>
               <a:t>Click to edit Master text styles</a:t>
             </a:r>
           </a:p>
           <a:p>
             <a:pPr lvl="1"/>
             <a:r>
-              <a:rPr lang="en-US" smtClean="0"/>
+              <a:rPr lang="en-US"/>
               <a:t>Second level</a:t>
             </a:r>
           </a:p>
           <a:p>
             <a:pPr lvl="2"/>
             <a:r>
-              <a:rPr lang="en-US" smtClean="0"/>
+              <a:rPr lang="en-US"/>
               <a:t>Third level</a:t>
             </a:r>
           </a:p>
           <a:p>
             <a:pPr lvl="3"/>
             <a:r>
-              <a:rPr lang="en-US" smtClean="0"/>
+              <a:rPr lang="en-US"/>
               <a:t>Fourth level</a:t>
             </a:r>
           </a:p>
           <a:p>
             <a:pPr lvl="4"/>
             <a:r>
-              <a:rPr lang="en-US" smtClean="0"/>
+              <a:rPr lang="en-US"/>
               <a:t>Fifth level</a:t>
             </a:r>
             <a:endParaRPr lang="en-US" dirty="0"/>
@@ -5339,10 +5327,9 @@
           <a:lstStyle/>
           <a:p>
             <a:r>
-              <a:rPr lang="en-US" smtClean="0"/>
+              <a:rPr lang="en-US"/>
               <a:t>10/20/2010</a:t>
             </a:r>
-            <a:endParaRPr lang="en-US"/>
           </a:p>
         </p:txBody>
       </p:sp>
@@ -5435,7 +5422,7 @@
           <a:lstStyle/>
           <a:p>
             <a:r>
-              <a:rPr lang="en-US" smtClean="0"/>
+              <a:rPr lang="en-US"/>
               <a:t>Click to edit Master title style</a:t>
             </a:r>
             <a:endParaRPr lang="en-US" dirty="0"/>
@@ -5458,10 +5445,9 @@
           <a:lstStyle/>
           <a:p>
             <a:r>
-              <a:rPr lang="en-US" smtClean="0"/>
+              <a:rPr lang="en-US"/>
               <a:t>10/20/2010</a:t>
             </a:r>
-            <a:endParaRPr lang="en-US"/>
           </a:p>
         </p:txBody>
       </p:sp>
@@ -5554,10 +5540,9 @@
           <a:lstStyle/>
           <a:p>
             <a:r>
-              <a:rPr lang="en-US" smtClean="0"/>
+              <a:rPr lang="en-US"/>
               <a:t>10/20/2010</a:t>
             </a:r>
-            <a:endParaRPr lang="en-US"/>
           </a:p>
         </p:txBody>
       </p:sp>
@@ -5661,7 +5646,7 @@
           </a:lstStyle>
           <a:p>
             <a:r>
-              <a:rPr lang="en-US" smtClean="0"/>
+              <a:rPr lang="en-US"/>
               <a:t>Click to edit Master title style</a:t>
             </a:r>
             <a:endParaRPr lang="en-US" dirty="0"/>
@@ -5692,35 +5677,35 @@
           <a:p>
             <a:pPr lvl="0"/>
             <a:r>
-              <a:rPr lang="en-US" smtClean="0"/>
+              <a:rPr lang="en-US"/>
               <a:t>Click to edit Master text styles</a:t>
             </a:r>
           </a:p>
           <a:p>
             <a:pPr lvl="1"/>
             <a:r>
-              <a:rPr lang="en-US" smtClean="0"/>
+              <a:rPr lang="en-US"/>
               <a:t>Second level</a:t>
             </a:r>
           </a:p>
           <a:p>
             <a:pPr lvl="2"/>
             <a:r>
-              <a:rPr lang="en-US" smtClean="0"/>
+              <a:rPr lang="en-US"/>
               <a:t>Third level</a:t>
             </a:r>
           </a:p>
           <a:p>
             <a:pPr lvl="3"/>
             <a:r>
-              <a:rPr lang="en-US" smtClean="0"/>
+              <a:rPr lang="en-US"/>
               <a:t>Fourth level</a:t>
             </a:r>
           </a:p>
           <a:p>
             <a:pPr lvl="4"/>
             <a:r>
-              <a:rPr lang="en-US" smtClean="0"/>
+              <a:rPr lang="en-US"/>
               <a:t>Fifth level</a:t>
             </a:r>
             <a:endParaRPr lang="en-US" dirty="0"/>
@@ -5788,7 +5773,7 @@
           <a:p>
             <a:pPr lvl="0"/>
             <a:r>
-              <a:rPr lang="en-US" smtClean="0"/>
+              <a:rPr lang="en-US"/>
               <a:t>Click to edit Master text styles</a:t>
             </a:r>
           </a:p>
@@ -5810,10 +5795,9 @@
           <a:lstStyle/>
           <a:p>
             <a:r>
-              <a:rPr lang="en-US" smtClean="0"/>
+              <a:rPr lang="en-US"/>
               <a:t>10/20/2010</a:t>
             </a:r>
-            <a:endParaRPr lang="en-US"/>
           </a:p>
         </p:txBody>
       </p:sp>
@@ -5947,7 +5931,7 @@
           </a:lstStyle>
           <a:p>
             <a:r>
-              <a:rPr lang="en-US" smtClean="0"/>
+              <a:rPr lang="en-US"/>
               <a:t>Click to edit Master title style</a:t>
             </a:r>
             <a:endParaRPr lang="en-US" dirty="0"/>
@@ -6021,7 +6005,7 @@
           </a:lstStyle>
           <a:p>
             <a:r>
-              <a:rPr lang="en-US" smtClean="0"/>
+              <a:rPr lang="en-US"/>
               <a:t>Click icon to add picture</a:t>
             </a:r>
             <a:endParaRPr lang="en-US" dirty="0"/>
@@ -6089,7 +6073,7 @@
           <a:p>
             <a:pPr lvl="0"/>
             <a:r>
-              <a:rPr lang="en-US" smtClean="0"/>
+              <a:rPr lang="en-US"/>
               <a:t>Click to edit Master text styles</a:t>
             </a:r>
           </a:p>
@@ -6111,10 +6095,9 @@
           <a:lstStyle/>
           <a:p>
             <a:r>
-              <a:rPr lang="en-US" smtClean="0"/>
+              <a:rPr lang="en-US"/>
               <a:t>10/20/2010</a:t>
             </a:r>
-            <a:endParaRPr lang="en-US"/>
           </a:p>
         </p:txBody>
       </p:sp>
@@ -6229,7 +6212,7 @@
           <a:lstStyle/>
           <a:p>
             <a:r>
-              <a:rPr lang="en-US" smtClean="0"/>
+              <a:rPr lang="en-US"/>
               <a:t>Click to edit Master title style</a:t>
             </a:r>
             <a:endParaRPr lang="en-US" dirty="0"/>
@@ -6270,35 +6253,35 @@
           <a:p>
             <a:pPr lvl="0"/>
             <a:r>
-              <a:rPr lang="en-US" smtClean="0"/>
+              <a:rPr lang="en-US"/>
               <a:t>Click to edit Master text styles</a:t>
             </a:r>
           </a:p>
           <a:p>
             <a:pPr lvl="1"/>
             <a:r>
-              <a:rPr lang="en-US" smtClean="0"/>
+              <a:rPr lang="en-US"/>
               <a:t>Second level</a:t>
             </a:r>
           </a:p>
           <a:p>
             <a:pPr lvl="2"/>
             <a:r>
-              <a:rPr lang="en-US" smtClean="0"/>
+              <a:rPr lang="en-US"/>
               <a:t>Third level</a:t>
             </a:r>
           </a:p>
           <a:p>
             <a:pPr lvl="3"/>
             <a:r>
-              <a:rPr lang="en-US" smtClean="0"/>
+              <a:rPr lang="en-US"/>
               <a:t>Fourth level</a:t>
             </a:r>
           </a:p>
           <a:p>
             <a:pPr lvl="4"/>
             <a:r>
-              <a:rPr lang="en-US" smtClean="0"/>
+              <a:rPr lang="en-US"/>
               <a:t>Fifth level</a:t>
             </a:r>
             <a:endParaRPr lang="en-US" dirty="0"/>
@@ -6346,10 +6329,9 @@
           </a:lstStyle>
           <a:p>
             <a:r>
-              <a:rPr lang="en-US" smtClean="0"/>
+              <a:rPr lang="en-US"/>
               <a:t>10/20/2010</a:t>
             </a:r>
-            <a:endParaRPr lang="en-US"/>
           </a:p>
         </p:txBody>
       </p:sp>
@@ -7039,17 +7021,16 @@
           <a:lstStyle/>
           <a:p>
             <a:r>
-              <a:rPr lang="en-US" dirty="0" smtClean="0"/>
+              <a:rPr lang="en-US" dirty="0"/>
               <a:t>CS4710: Artificial Intelligence</a:t>
             </a:r>
             <a:br>
-              <a:rPr lang="en-US" dirty="0" smtClean="0"/>
+              <a:rPr lang="en-US" dirty="0"/>
             </a:br>
             <a:r>
-              <a:rPr lang="en-US" dirty="0" smtClean="0"/>
+              <a:rPr lang="en-US" dirty="0"/>
               <a:t>Search</a:t>
             </a:r>
-            <a:endParaRPr lang="en-US" dirty="0"/>
           </a:p>
         </p:txBody>
       </p:sp>
@@ -7069,10 +7050,9 @@
           <a:lstStyle/>
           <a:p>
             <a:r>
-              <a:rPr lang="en-US" dirty="0" smtClean="0"/>
+              <a:rPr lang="en-US" dirty="0"/>
               <a:t>Many AI problems boil down to graph search. What are the primary techniques for searching graphs? What do we do when the graph is very large?</a:t>
             </a:r>
-            <a:endParaRPr lang="en-US" dirty="0"/>
           </a:p>
         </p:txBody>
       </p:sp>
@@ -7086,13 +7066,6 @@
   <p:clrMapOvr>
     <a:masterClrMapping/>
   </p:clrMapOvr>
-  <p:timing>
-    <p:tnLst>
-      <p:par>
-        <p:cTn id="1" dur="indefinite" restart="never" nodeType="tmRoot"/>
-      </p:par>
-    </p:tnLst>
-  </p:timing>
 </p:sld>
 </file>
 
@@ -7129,10 +7102,9 @@
           <a:lstStyle/>
           <a:p>
             <a:r>
-              <a:rPr lang="en-US" dirty="0" smtClean="0"/>
+              <a:rPr lang="en-US" dirty="0"/>
               <a:t>Problems Solved With Search</a:t>
             </a:r>
-            <a:endParaRPr lang="en-US" dirty="0"/>
           </a:p>
         </p:txBody>
       </p:sp>
@@ -7160,13 +7132,6 @@
   <p:clrMapOvr>
     <a:masterClrMapping/>
   </p:clrMapOvr>
-  <p:timing>
-    <p:tnLst>
-      <p:par>
-        <p:cTn id="1" dur="indefinite" restart="never" nodeType="tmRoot"/>
-      </p:par>
-    </p:tnLst>
-  </p:timing>
 </p:sld>
 </file>
 
@@ -7206,7 +7171,7 @@
           <a:lstStyle/>
           <a:p>
             <a:r>
-              <a:rPr lang="en-US" dirty="0" smtClean="0"/>
+              <a:rPr lang="en-US" dirty="0"/>
               <a:t>AI Problems Solved by Search</a:t>
             </a:r>
           </a:p>
@@ -7238,7 +7203,7 @@
               </a:lnSpc>
             </a:pPr>
             <a:r>
-              <a:rPr lang="en-US" dirty="0" smtClean="0"/>
+              <a:rPr lang="en-US" dirty="0"/>
               <a:t>Path Planning</a:t>
             </a:r>
           </a:p>
@@ -7249,7 +7214,7 @@
               </a:lnSpc>
             </a:pPr>
             <a:r>
-              <a:rPr lang="en-US" sz="1800" dirty="0" smtClean="0"/>
+              <a:rPr lang="en-US" sz="1800" dirty="0"/>
               <a:t>Robot or some agent is searching a path through an environment</a:t>
             </a:r>
           </a:p>
@@ -7268,7 +7233,7 @@
               </a:lnSpc>
             </a:pPr>
             <a:r>
-              <a:rPr lang="en-US" dirty="0" smtClean="0"/>
+              <a:rPr lang="en-US" dirty="0"/>
               <a:t>Game Playing</a:t>
             </a:r>
           </a:p>
@@ -7279,7 +7244,7 @@
               </a:lnSpc>
             </a:pPr>
             <a:r>
-              <a:rPr lang="en-US" sz="1800" dirty="0" smtClean="0"/>
+              <a:rPr lang="en-US" sz="1800" dirty="0"/>
               <a:t>Searching through a set of states of a game to find a winning path for the AI</a:t>
             </a:r>
           </a:p>
@@ -7290,7 +7255,7 @@
               </a:lnSpc>
             </a:pPr>
             <a:r>
-              <a:rPr lang="en-US" dirty="0" smtClean="0"/>
+              <a:rPr lang="en-US" dirty="0"/>
               <a:t>E.g., chess, checkers, etc.</a:t>
             </a:r>
           </a:p>
@@ -7309,7 +7274,7 @@
               </a:lnSpc>
             </a:pPr>
             <a:r>
-              <a:rPr lang="en-US" sz="2000" dirty="0" smtClean="0"/>
+              <a:rPr lang="en-US" sz="2000" dirty="0"/>
               <a:t>Puzzle Solving</a:t>
             </a:r>
           </a:p>
@@ -7320,7 +7285,7 @@
               </a:lnSpc>
             </a:pPr>
             <a:r>
-              <a:rPr lang="en-US" sz="1800" dirty="0" smtClean="0"/>
+              <a:rPr lang="en-US" sz="1800" dirty="0"/>
               <a:t>Rubik’s Cube, etc.</a:t>
             </a:r>
           </a:p>
@@ -7339,10 +7304,9 @@
               </a:lnSpc>
             </a:pPr>
             <a:r>
-              <a:rPr lang="en-US" sz="2000" dirty="0" smtClean="0"/>
+              <a:rPr lang="en-US" sz="2000" dirty="0"/>
               <a:t>Is this really “intelligence”…you decide.</a:t>
             </a:r>
-            <a:endParaRPr lang="en-US" sz="2000" dirty="0"/>
           </a:p>
         </p:txBody>
       </p:sp>
@@ -7356,13 +7320,6 @@
   <p:clrMapOvr>
     <a:masterClrMapping/>
   </p:clrMapOvr>
-  <p:timing>
-    <p:tnLst>
-      <p:par>
-        <p:cTn id="1" dur="indefinite" restart="never" nodeType="tmRoot"/>
-      </p:par>
-    </p:tnLst>
-  </p:timing>
 </p:sld>
 </file>
 
@@ -7399,7 +7356,7 @@
           <a:lstStyle/>
           <a:p>
             <a:r>
-              <a:rPr lang="en-US" smtClean="0"/>
+              <a:rPr lang="en-US"/>
               <a:t>Breadth-First Search</a:t>
             </a:r>
             <a:endParaRPr lang="en-US" dirty="0"/>
@@ -7435,13 +7392,6 @@
   <p:clrMapOvr>
     <a:masterClrMapping/>
   </p:clrMapOvr>
-  <p:timing>
-    <p:tnLst>
-      <p:par>
-        <p:cTn id="1" dur="indefinite" restart="never" nodeType="tmRoot"/>
-      </p:par>
-    </p:tnLst>
-  </p:timing>
 </p:sld>
 </file>
 
@@ -7481,7 +7431,7 @@
           <a:lstStyle/>
           <a:p>
             <a:r>
-              <a:rPr lang="en-US" smtClean="0"/>
+              <a:rPr lang="en-US"/>
               <a:t>Traversal Strategies</a:t>
             </a:r>
           </a:p>
@@ -7513,7 +7463,7 @@
               </a:lnSpc>
             </a:pPr>
             <a:r>
-              <a:rPr lang="en-US" dirty="0" smtClean="0"/>
+              <a:rPr lang="en-US" dirty="0"/>
               <a:t>Note: traversal algorithms start at some vertex</a:t>
             </a:r>
           </a:p>
@@ -7524,7 +7474,7 @@
               </a:lnSpc>
             </a:pPr>
             <a:r>
-              <a:rPr lang="en-US" dirty="0" smtClean="0"/>
+              <a:rPr lang="en-US" dirty="0"/>
               <a:t>Which?  Trees have a root, but graphs don’t.</a:t>
             </a:r>
           </a:p>
@@ -7535,7 +7485,7 @@
               </a:lnSpc>
             </a:pPr>
             <a:r>
-              <a:rPr lang="en-US" dirty="0" smtClean="0"/>
+              <a:rPr lang="en-US" dirty="0"/>
               <a:t>Might matter, might not.</a:t>
             </a:r>
           </a:p>
@@ -7554,7 +7504,7 @@
               </a:lnSpc>
             </a:pPr>
             <a:r>
-              <a:rPr lang="en-US" dirty="0" smtClean="0"/>
+              <a:rPr lang="en-US" dirty="0"/>
               <a:t>Breadth-First and Depth-First are most basic strategies</a:t>
             </a:r>
           </a:p>
@@ -7565,7 +7515,7 @@
               </a:lnSpc>
             </a:pPr>
             <a:r>
-              <a:rPr lang="en-US" dirty="0" smtClean="0"/>
+              <a:rPr lang="en-US" dirty="0"/>
               <a:t>Often aren’t fit for AI problems where state space is VERY large</a:t>
             </a:r>
           </a:p>
@@ -7576,7 +7526,7 @@
               </a:lnSpc>
             </a:pPr>
             <a:r>
-              <a:rPr lang="en-US" dirty="0" smtClean="0"/>
+              <a:rPr lang="en-US" dirty="0"/>
               <a:t>We’ll review them first, then discuss slightly better approaches</a:t>
             </a:r>
           </a:p>
@@ -7587,13 +7537,6 @@
   <p:clrMapOvr>
     <a:masterClrMapping/>
   </p:clrMapOvr>
-  <p:timing>
-    <p:tnLst>
-      <p:par>
-        <p:cTn id="1" dur="indefinite" restart="never" nodeType="tmRoot"/>
-      </p:par>
-    </p:tnLst>
-  </p:timing>
 </p:sld>
 </file>
 
@@ -7633,7 +7576,7 @@
           <a:lstStyle/>
           <a:p>
             <a:r>
-              <a:rPr lang="en-US" smtClean="0"/>
+              <a:rPr lang="en-US"/>
               <a:t>BFS Strategy</a:t>
             </a:r>
           </a:p>
@@ -7658,42 +7601,42 @@
           <a:lstStyle/>
           <a:p>
             <a:r>
-              <a:rPr lang="en-US" smtClean="0"/>
+              <a:rPr lang="en-US"/>
               <a:t>Breadth-first search: Strategy (for digraph)</a:t>
             </a:r>
           </a:p>
           <a:p>
             <a:pPr lvl="1"/>
             <a:r>
-              <a:rPr lang="en-US" smtClean="0"/>
+              <a:rPr lang="en-US"/>
               <a:t>choose a starting vertex, distance d = 0</a:t>
             </a:r>
           </a:p>
           <a:p>
             <a:pPr lvl="1"/>
             <a:r>
-              <a:rPr lang="en-US" smtClean="0"/>
+              <a:rPr lang="en-US"/>
               <a:t>vertices are visited in order of increasing distance from the starting vertex, </a:t>
             </a:r>
           </a:p>
           <a:p>
             <a:pPr lvl="1"/>
             <a:r>
-              <a:rPr lang="en-US" smtClean="0"/>
+              <a:rPr lang="en-US"/>
               <a:t>examine all edges leading from vertices (at distance d) to adjacent vertices (at distance d+1)</a:t>
             </a:r>
           </a:p>
           <a:p>
             <a:pPr lvl="1"/>
             <a:r>
-              <a:rPr lang="en-US" smtClean="0"/>
+              <a:rPr lang="en-US"/>
               <a:t>then, examine all edges leading from vertices at distance d+1 to distance d+2, and so on, </a:t>
             </a:r>
           </a:p>
           <a:p>
             <a:pPr lvl="1"/>
             <a:r>
-              <a:rPr lang="en-US" smtClean="0"/>
+              <a:rPr lang="en-US"/>
               <a:t>until no new vertex is discovered</a:t>
             </a:r>
           </a:p>
@@ -7704,13 +7647,6 @@
   <p:clrMapOvr>
     <a:masterClrMapping/>
   </p:clrMapOvr>
-  <p:timing>
-    <p:tnLst>
-      <p:par>
-        <p:cTn id="1" dur="indefinite" restart="never" nodeType="tmRoot"/>
-      </p:par>
-    </p:tnLst>
-  </p:timing>
 </p:sld>
 </file>
 
@@ -7750,7 +7686,7 @@
           <a:lstStyle/>
           <a:p>
             <a:r>
-              <a:rPr lang="en-US" dirty="0" smtClean="0"/>
+              <a:rPr lang="en-US" dirty="0"/>
               <a:t>BFS Strategy: More Details</a:t>
             </a:r>
           </a:p>
@@ -7777,7 +7713,7 @@
           <a:lstStyle/>
           <a:p>
             <a:r>
-              <a:rPr lang="en-US" dirty="0" smtClean="0"/>
+              <a:rPr lang="en-US" dirty="0"/>
               <a:t>Maintain a Queue (Let’s call it Q)</a:t>
             </a:r>
           </a:p>
@@ -7786,60 +7722,60 @@
           </a:p>
           <a:p>
             <a:r>
-              <a:rPr lang="en-US" dirty="0" smtClean="0"/>
+              <a:rPr lang="en-US" dirty="0"/>
               <a:t>Start at some node ‘s’ (push ‘s’ to Q and mark as visited)</a:t>
             </a:r>
           </a:p>
           <a:p>
             <a:r>
-              <a:rPr lang="en-US" dirty="0" smtClean="0"/>
+              <a:rPr lang="en-US" dirty="0"/>
               <a:t>While Q not empty</a:t>
             </a:r>
           </a:p>
           <a:p>
             <a:pPr lvl="1"/>
             <a:r>
-              <a:rPr lang="en-US" dirty="0" smtClean="0"/>
+              <a:rPr lang="en-US" dirty="0"/>
               <a:t>Pop a node ‘n’ from queue</a:t>
             </a:r>
           </a:p>
           <a:p>
             <a:pPr lvl="1"/>
             <a:r>
-              <a:rPr lang="en-US" dirty="0" smtClean="0"/>
+              <a:rPr lang="en-US" dirty="0"/>
               <a:t>Process ‘n’ if necessary (depending on problem you are solving)</a:t>
             </a:r>
           </a:p>
           <a:p>
             <a:pPr lvl="1"/>
             <a:r>
-              <a:rPr lang="en-US" dirty="0" smtClean="0"/>
+              <a:rPr lang="en-US" dirty="0"/>
               <a:t>For each non-visited neighbor of ‘n’</a:t>
             </a:r>
           </a:p>
           <a:p>
             <a:pPr lvl="2"/>
             <a:r>
-              <a:rPr lang="en-US" dirty="0" smtClean="0"/>
+              <a:rPr lang="en-US" dirty="0"/>
               <a:t>Mark neighbor as visited</a:t>
             </a:r>
           </a:p>
           <a:p>
             <a:pPr lvl="2"/>
             <a:r>
-              <a:rPr lang="en-US" dirty="0" smtClean="0"/>
+              <a:rPr lang="en-US" dirty="0"/>
               <a:t>Push neighbor onto Q</a:t>
             </a:r>
           </a:p>
           <a:p>
             <a:pPr lvl="1"/>
             <a:r>
-              <a:rPr lang="en-US" dirty="0" smtClean="0"/>
+              <a:rPr lang="en-US" dirty="0"/>
               <a:t>Repeat</a:t>
             </a:r>
           </a:p>
           <a:p>
-            <a:endParaRPr lang="en-US" dirty="0" smtClean="0"/>
+            <a:endParaRPr lang="en-US" dirty="0"/>
           </a:p>
         </p:txBody>
       </p:sp>
@@ -7853,13 +7789,6 @@
   <p:clrMapOvr>
     <a:masterClrMapping/>
   </p:clrMapOvr>
-  <p:timing>
-    <p:tnLst>
-      <p:par>
-        <p:cTn id="1" dur="indefinite" restart="never" nodeType="tmRoot"/>
-      </p:par>
-    </p:tnLst>
-  </p:timing>
 </p:sld>
 </file>
 
@@ -7899,7 +7828,7 @@
           <a:lstStyle/>
           <a:p>
             <a:r>
-              <a:rPr lang="en-US" smtClean="0"/>
+              <a:rPr lang="en-US"/>
               <a:t>Breadth-first search: Analysis</a:t>
             </a:r>
           </a:p>
@@ -7929,7 +7858,7 @@
               </a:lnSpc>
             </a:pPr>
             <a:r>
-              <a:rPr lang="en-US" dirty="0" smtClean="0"/>
+              <a:rPr lang="en-US" dirty="0"/>
               <a:t>For a digraph having V vertices and E edges</a:t>
             </a:r>
           </a:p>
@@ -7940,17 +7869,17 @@
               </a:lnSpc>
             </a:pPr>
             <a:r>
-              <a:rPr lang="en-US" dirty="0" smtClean="0"/>
+              <a:rPr lang="en-US" dirty="0"/>
               <a:t>Each edge is processed once in the while loop for a cost of </a:t>
             </a:r>
             <a:r>
-              <a:rPr lang="en-US" dirty="0" smtClean="0">
+              <a:rPr lang="en-US" dirty="0">
                 <a:sym typeface="Symbol" pitchFamily="18" charset="2"/>
               </a:rPr>
               <a:t></a:t>
             </a:r>
             <a:r>
-              <a:rPr lang="en-US" dirty="0" smtClean="0"/>
+              <a:rPr lang="en-US" dirty="0"/>
               <a:t>(E)</a:t>
             </a:r>
           </a:p>
@@ -7961,17 +7890,17 @@
               </a:lnSpc>
             </a:pPr>
             <a:r>
-              <a:rPr lang="en-US" dirty="0" smtClean="0"/>
+              <a:rPr lang="en-US" dirty="0"/>
               <a:t>Each vertex is put into the queue once and removed from the queue and processed once, for a cost </a:t>
             </a:r>
             <a:r>
-              <a:rPr lang="en-US" dirty="0" smtClean="0">
+              <a:rPr lang="en-US" dirty="0">
                 <a:sym typeface="Symbol" pitchFamily="18" charset="2"/>
               </a:rPr>
               <a:t></a:t>
             </a:r>
             <a:r>
-              <a:rPr lang="en-US" dirty="0" smtClean="0"/>
+              <a:rPr lang="en-US" dirty="0"/>
               <a:t>(V)</a:t>
             </a:r>
           </a:p>
@@ -7982,17 +7911,17 @@
               </a:lnSpc>
             </a:pPr>
             <a:r>
-              <a:rPr lang="en-US" dirty="0" smtClean="0"/>
+              <a:rPr lang="en-US" dirty="0"/>
               <a:t>Extra space is used for color array and queue, there are  </a:t>
             </a:r>
             <a:r>
-              <a:rPr lang="en-US" dirty="0" smtClean="0">
+              <a:rPr lang="en-US" dirty="0">
                 <a:sym typeface="Symbol" pitchFamily="18" charset="2"/>
               </a:rPr>
               <a:t></a:t>
             </a:r>
             <a:r>
-              <a:rPr lang="en-US" dirty="0" smtClean="0"/>
+              <a:rPr lang="en-US" dirty="0"/>
               <a:t>(V)</a:t>
             </a:r>
           </a:p>
@@ -8002,7 +7931,7 @@
                 <a:spcPct val="90000"/>
               </a:lnSpc>
             </a:pPr>
-            <a:endParaRPr lang="en-US" dirty="0" smtClean="0"/>
+            <a:endParaRPr lang="en-US" dirty="0"/>
           </a:p>
           <a:p>
             <a:pPr>
@@ -8011,15 +7940,15 @@
               </a:lnSpc>
             </a:pPr>
             <a:r>
-              <a:rPr lang="en-US" dirty="0" smtClean="0"/>
+              <a:rPr lang="en-US" dirty="0"/>
               <a:t>From a </a:t>
             </a:r>
             <a:r>
-              <a:rPr lang="en-US" i="1" dirty="0" smtClean="0"/>
+              <a:rPr lang="en-US" i="1" dirty="0"/>
               <a:t>tree</a:t>
             </a:r>
             <a:r>
-              <a:rPr lang="en-US" dirty="0" smtClean="0"/>
+              <a:rPr lang="en-US" dirty="0"/>
               <a:t> (breadth-first spanning tree)</a:t>
             </a:r>
           </a:p>
@@ -8030,15 +7959,15 @@
               </a:lnSpc>
             </a:pPr>
             <a:r>
-              <a:rPr lang="en-US" dirty="0" smtClean="0"/>
+              <a:rPr lang="en-US" dirty="0"/>
               <a:t>the path in the tree from start vertex to any vertex contains the </a:t>
             </a:r>
             <a:r>
-              <a:rPr lang="en-US" i="1" dirty="0" smtClean="0"/>
+              <a:rPr lang="en-US" i="1" dirty="0"/>
               <a:t>minimum</a:t>
             </a:r>
             <a:r>
-              <a:rPr lang="en-US" dirty="0" smtClean="0"/>
+              <a:rPr lang="en-US" dirty="0"/>
               <a:t> possible number of edges</a:t>
             </a:r>
           </a:p>
@@ -8048,7 +7977,7 @@
                 <a:spcPct val="90000"/>
               </a:lnSpc>
             </a:pPr>
-            <a:endParaRPr lang="en-US" dirty="0" smtClean="0"/>
+            <a:endParaRPr lang="en-US" dirty="0"/>
           </a:p>
           <a:p>
             <a:pPr>
@@ -8057,7 +7986,7 @@
               </a:lnSpc>
             </a:pPr>
             <a:r>
-              <a:rPr lang="en-US" dirty="0" smtClean="0"/>
+              <a:rPr lang="en-US" dirty="0"/>
               <a:t>Not all vertices are necessarily reachable from a selected starting vertex</a:t>
             </a:r>
           </a:p>
@@ -8068,13 +7997,6 @@
   <p:clrMapOvr>
     <a:masterClrMapping/>
   </p:clrMapOvr>
-  <p:timing>
-    <p:tnLst>
-      <p:par>
-        <p:cTn id="1" dur="indefinite" restart="never" nodeType="tmRoot"/>
-      </p:par>
-    </p:tnLst>
-  </p:timing>
 </p:sld>
 </file>
 
@@ -8114,7 +8036,7 @@
           <a:lstStyle/>
           <a:p>
             <a:r>
-              <a:rPr lang="en-US" dirty="0" smtClean="0"/>
+              <a:rPr lang="en-US" dirty="0"/>
               <a:t>Breadth-first search: More Analysis</a:t>
             </a:r>
           </a:p>
@@ -8146,7 +8068,7 @@
               </a:lnSpc>
             </a:pPr>
             <a:r>
-              <a:rPr lang="en-US" dirty="0" smtClean="0"/>
+              <a:rPr lang="en-US" dirty="0"/>
               <a:t>In AI, graphs are often very large. So…</a:t>
             </a:r>
           </a:p>
@@ -8165,7 +8087,7 @@
               </a:lnSpc>
             </a:pPr>
             <a:r>
-              <a:rPr lang="en-US" dirty="0" smtClean="0"/>
+              <a:rPr lang="en-US" dirty="0"/>
               <a:t>Let ‘d’ be the shallowest depth of any goal node</a:t>
             </a:r>
           </a:p>
@@ -8176,7 +8098,7 @@
               </a:lnSpc>
             </a:pPr>
             <a:r>
-              <a:rPr lang="en-US" dirty="0" smtClean="0"/>
+              <a:rPr lang="en-US" dirty="0"/>
               <a:t>Let ‘b’ be the branching factor</a:t>
             </a:r>
           </a:p>
@@ -8187,7 +8109,7 @@
               </a:lnSpc>
             </a:pPr>
             <a:r>
-              <a:rPr lang="en-US" i="1" dirty="0" smtClean="0"/>
+              <a:rPr lang="en-US" i="1" dirty="0"/>
               <a:t>Average number of branches coming off of each node in graph</a:t>
             </a:r>
           </a:p>
@@ -8206,7 +8128,7 @@
               </a:lnSpc>
             </a:pPr>
             <a:r>
-              <a:rPr lang="en-US" dirty="0" smtClean="0"/>
+              <a:rPr lang="en-US" dirty="0"/>
               <a:t>Runtime of BFS in terms of these factors is:</a:t>
             </a:r>
           </a:p>
@@ -8217,15 +8139,15 @@
               </a:lnSpc>
             </a:pPr>
             <a:r>
-              <a:rPr lang="en-US" dirty="0" smtClean="0"/>
+              <a:rPr lang="en-US" dirty="0"/>
               <a:t>Time:	O(</a:t>
             </a:r>
             <a:r>
-              <a:rPr lang="en-US" dirty="0" err="1" smtClean="0"/>
+              <a:rPr lang="en-US" dirty="0" err="1"/>
               <a:t>b^d</a:t>
             </a:r>
             <a:r>
-              <a:rPr lang="en-US" dirty="0" smtClean="0"/>
+              <a:rPr lang="en-US" dirty="0"/>
               <a:t>)	why?</a:t>
             </a:r>
           </a:p>
@@ -8236,15 +8158,15 @@
               </a:lnSpc>
             </a:pPr>
             <a:r>
-              <a:rPr lang="en-US" dirty="0" smtClean="0"/>
+              <a:rPr lang="en-US" dirty="0"/>
               <a:t>Space: O(</a:t>
             </a:r>
             <a:r>
-              <a:rPr lang="en-US" dirty="0" err="1" smtClean="0"/>
+              <a:rPr lang="en-US" dirty="0" err="1"/>
               <a:t>b^d</a:t>
             </a:r>
             <a:r>
-              <a:rPr lang="en-US" dirty="0" smtClean="0"/>
+              <a:rPr lang="en-US" dirty="0"/>
               <a:t>)	why?</a:t>
             </a:r>
           </a:p>
@@ -8263,15 +8185,15 @@
               </a:lnSpc>
             </a:pPr>
             <a:r>
-              <a:rPr lang="en-US" dirty="0" smtClean="0"/>
+              <a:rPr lang="en-US" dirty="0"/>
               <a:t>Notice that </a:t>
             </a:r>
             <a:r>
-              <a:rPr lang="en-US" dirty="0" err="1" smtClean="0"/>
+              <a:rPr lang="en-US" dirty="0" err="1"/>
               <a:t>b^d</a:t>
             </a:r>
             <a:r>
-              <a:rPr lang="en-US" dirty="0" smtClean="0"/>
+              <a:rPr lang="en-US" dirty="0"/>
               <a:t> is bounded by E		Why?</a:t>
             </a:r>
           </a:p>
@@ -8287,13 +8209,6 @@
   <p:clrMapOvr>
     <a:masterClrMapping/>
   </p:clrMapOvr>
-  <p:timing>
-    <p:tnLst>
-      <p:par>
-        <p:cTn id="1" dur="indefinite" restart="never" nodeType="tmRoot"/>
-      </p:par>
-    </p:tnLst>
-  </p:timing>
 </p:sld>
 </file>
 
@@ -8333,7 +8248,7 @@
           <a:lstStyle/>
           <a:p>
             <a:r>
-              <a:rPr lang="en-US" dirty="0" smtClean="0"/>
+              <a:rPr lang="en-US" dirty="0"/>
               <a:t>Problem Solving Time!</a:t>
             </a:r>
           </a:p>
@@ -8390,13 +8305,6 @@
   <p:clrMapOvr>
     <a:masterClrMapping/>
   </p:clrMapOvr>
-  <p:timing>
-    <p:tnLst>
-      <p:par>
-        <p:cTn id="1" dur="indefinite" restart="never" nodeType="tmRoot"/>
-      </p:par>
-    </p:tnLst>
-  </p:timing>
 </p:sld>
 </file>
 
@@ -8433,7 +8341,7 @@
           <a:lstStyle/>
           <a:p>
             <a:r>
-              <a:rPr lang="en-US" smtClean="0"/>
+              <a:rPr lang="en-US"/>
               <a:t>Depth-First Search</a:t>
             </a:r>
             <a:endParaRPr lang="en-US" dirty="0"/>
@@ -8464,13 +8372,6 @@
   <p:clrMapOvr>
     <a:masterClrMapping/>
   </p:clrMapOvr>
-  <p:timing>
-    <p:tnLst>
-      <p:par>
-        <p:cTn id="1" dur="indefinite" restart="never" nodeType="tmRoot"/>
-      </p:par>
-    </p:tnLst>
-  </p:timing>
 </p:sld>
 </file>
 
@@ -8507,10 +8408,9 @@
           <a:lstStyle/>
           <a:p>
             <a:r>
-              <a:rPr lang="en-US" dirty="0" smtClean="0"/>
+              <a:rPr lang="en-US" dirty="0"/>
               <a:t>Quick Review of Graphs</a:t>
             </a:r>
-            <a:endParaRPr lang="en-US" dirty="0"/>
           </a:p>
         </p:txBody>
       </p:sp>
@@ -8530,10 +8430,9 @@
           <a:lstStyle/>
           <a:p>
             <a:r>
-              <a:rPr lang="en-US" dirty="0" smtClean="0"/>
+              <a:rPr lang="en-US" dirty="0"/>
               <a:t>Yes, I realize several of you have seen this many times!</a:t>
             </a:r>
-            <a:endParaRPr lang="en-US" dirty="0"/>
           </a:p>
         </p:txBody>
       </p:sp>
@@ -8542,13 +8441,6 @@
   <p:clrMapOvr>
     <a:masterClrMapping/>
   </p:clrMapOvr>
-  <p:timing>
-    <p:tnLst>
-      <p:par>
-        <p:cTn id="1" dur="indefinite" restart="never" nodeType="tmRoot"/>
-      </p:par>
-    </p:tnLst>
-  </p:timing>
 </p:sld>
 </file>
 
@@ -8588,7 +8480,7 @@
           <a:lstStyle/>
           <a:p>
             <a:r>
-              <a:rPr lang="en-US" smtClean="0"/>
+              <a:rPr lang="en-US"/>
               <a:t>DFS: the Strategy in Words</a:t>
             </a:r>
           </a:p>
@@ -8624,7 +8516,7 @@
                 <a:spcPct val="90000"/>
               </a:lnSpc>
             </a:pPr>
-            <a:endParaRPr lang="en-US" dirty="0" smtClean="0"/>
+            <a:endParaRPr lang="en-US" dirty="0"/>
           </a:p>
           <a:p>
             <a:pPr>
@@ -8633,7 +8525,7 @@
               </a:lnSpc>
             </a:pPr>
             <a:r>
-              <a:rPr lang="en-US" dirty="0" smtClean="0"/>
+              <a:rPr lang="en-US" dirty="0"/>
               <a:t>Depth-first search: Strategy</a:t>
             </a:r>
           </a:p>
@@ -8644,7 +8536,7 @@
               </a:lnSpc>
             </a:pPr>
             <a:r>
-              <a:rPr lang="en-US" dirty="0" smtClean="0"/>
+              <a:rPr lang="en-US" dirty="0"/>
               <a:t>Go as deep as can visiting un-visited nodes</a:t>
             </a:r>
           </a:p>
@@ -8655,7 +8547,7 @@
               </a:lnSpc>
             </a:pPr>
             <a:r>
-              <a:rPr lang="en-US" dirty="0" smtClean="0"/>
+              <a:rPr lang="en-US" dirty="0"/>
               <a:t>Choose any un-visited vertex when you have a choice</a:t>
             </a:r>
           </a:p>
@@ -8666,7 +8558,7 @@
               </a:lnSpc>
             </a:pPr>
             <a:r>
-              <a:rPr lang="en-US" dirty="0" smtClean="0"/>
+              <a:rPr lang="en-US" dirty="0"/>
               <a:t>When stuck at a dead-end, backtrack as little as possible</a:t>
             </a:r>
           </a:p>
@@ -8677,7 +8569,7 @@
               </a:lnSpc>
             </a:pPr>
             <a:r>
-              <a:rPr lang="en-US" dirty="0" smtClean="0"/>
+              <a:rPr lang="en-US" dirty="0"/>
               <a:t>Back up to where you could go to another unvisited vertex</a:t>
             </a:r>
           </a:p>
@@ -8688,7 +8580,7 @@
               </a:lnSpc>
             </a:pPr>
             <a:r>
-              <a:rPr lang="en-US" dirty="0" smtClean="0"/>
+              <a:rPr lang="en-US" dirty="0"/>
               <a:t>Then continue to go on from that point</a:t>
             </a:r>
           </a:p>
@@ -8699,7 +8591,7 @@
               </a:lnSpc>
             </a:pPr>
             <a:r>
-              <a:rPr lang="en-US" dirty="0" smtClean="0"/>
+              <a:rPr lang="en-US" dirty="0"/>
               <a:t>Eventually you’ll return to where you started</a:t>
             </a:r>
           </a:p>
@@ -8710,7 +8602,7 @@
               </a:lnSpc>
             </a:pPr>
             <a:r>
-              <a:rPr lang="en-US" dirty="0" smtClean="0"/>
+              <a:rPr lang="en-US" dirty="0"/>
               <a:t>Reach all vertices?  Maybe, maybe not</a:t>
             </a:r>
           </a:p>
@@ -8721,7 +8613,7 @@
               </a:lnSpc>
               <a:buNone/>
             </a:pPr>
-            <a:endParaRPr lang="en-US" dirty="0" smtClean="0"/>
+            <a:endParaRPr lang="en-US" dirty="0"/>
           </a:p>
         </p:txBody>
       </p:sp>
@@ -8730,13 +8622,6 @@
   <p:clrMapOvr>
     <a:masterClrMapping/>
   </p:clrMapOvr>
-  <p:timing>
-    <p:tnLst>
-      <p:par>
-        <p:cTn id="1" dur="indefinite" restart="never" nodeType="tmRoot"/>
-      </p:par>
-    </p:tnLst>
-  </p:timing>
 </p:sld>
 </file>
 
@@ -8783,7 +8668,7 @@
               </a:lnSpc>
             </a:pPr>
             <a:r>
-              <a:rPr lang="en-US" smtClean="0"/>
+              <a:rPr lang="en-US"/>
               <a:t>Observations about the DFS Strategy</a:t>
             </a:r>
           </a:p>
@@ -8815,7 +8700,7 @@
               </a:lnSpc>
             </a:pPr>
             <a:r>
-              <a:rPr lang="en-US" dirty="0" smtClean="0"/>
+              <a:rPr lang="en-US" dirty="0"/>
               <a:t>Note: we must keep track of what nodes we’ve visited</a:t>
             </a:r>
           </a:p>
@@ -8826,7 +8711,7 @@
               </a:lnSpc>
             </a:pPr>
             <a:r>
-              <a:rPr lang="en-US" dirty="0" smtClean="0"/>
+              <a:rPr lang="en-US" dirty="0"/>
               <a:t>DFS traverses a subset of E (the set of edges)</a:t>
             </a:r>
           </a:p>
@@ -8837,7 +8722,7 @@
               </a:lnSpc>
             </a:pPr>
             <a:r>
-              <a:rPr lang="en-US" dirty="0" smtClean="0"/>
+              <a:rPr lang="en-US" dirty="0"/>
               <a:t>Creates a tree, rooted at the starting point: the Depth-first Search Tree (DFS tree)</a:t>
             </a:r>
           </a:p>
@@ -8848,7 +8733,7 @@
               </a:lnSpc>
             </a:pPr>
             <a:r>
-              <a:rPr lang="en-US" dirty="0" smtClean="0"/>
+              <a:rPr lang="en-US" dirty="0"/>
               <a:t>Each node in the DFS tree has a distance from the start.  (We often don’t care about this, but we could.)</a:t>
             </a:r>
           </a:p>
@@ -8859,7 +8744,7 @@
               </a:lnSpc>
             </a:pPr>
             <a:r>
-              <a:rPr lang="en-US" dirty="0" smtClean="0"/>
+              <a:rPr lang="en-US" dirty="0"/>
               <a:t>At any point, all nodes are either:</a:t>
             </a:r>
           </a:p>
@@ -8870,7 +8755,7 @@
               </a:lnSpc>
             </a:pPr>
             <a:r>
-              <a:rPr lang="en-US" dirty="0" smtClean="0"/>
+              <a:rPr lang="en-US" dirty="0"/>
               <a:t>Un-discovered</a:t>
             </a:r>
           </a:p>
@@ -8881,7 +8766,7 @@
               </a:lnSpc>
             </a:pPr>
             <a:r>
-              <a:rPr lang="en-US" dirty="0" smtClean="0"/>
+              <a:rPr lang="en-US" dirty="0"/>
               <a:t>Finished (you backed up from it), or</a:t>
             </a:r>
           </a:p>
@@ -8892,7 +8777,7 @@
               </a:lnSpc>
             </a:pPr>
             <a:r>
-              <a:rPr lang="en-US" dirty="0" smtClean="0"/>
+              <a:rPr lang="en-US" dirty="0"/>
               <a:t>Discovered (I.e. visited) but not finished</a:t>
             </a:r>
           </a:p>
@@ -8903,7 +8788,7 @@
               </a:lnSpc>
             </a:pPr>
             <a:r>
-              <a:rPr lang="en-US" dirty="0" smtClean="0"/>
+              <a:rPr lang="en-US" dirty="0"/>
               <a:t>On the path from the current node back to the root</a:t>
             </a:r>
           </a:p>
@@ -8914,7 +8799,7 @@
               </a:lnSpc>
             </a:pPr>
             <a:r>
-              <a:rPr lang="en-US" dirty="0" smtClean="0"/>
+              <a:rPr lang="en-US" dirty="0"/>
               <a:t>We might back up to it</a:t>
             </a:r>
           </a:p>
@@ -8925,13 +8810,6 @@
   <p:clrMapOvr>
     <a:masterClrMapping/>
   </p:clrMapOvr>
-  <p:timing>
-    <p:tnLst>
-      <p:par>
-        <p:cTn id="1" dur="indefinite" restart="never" nodeType="tmRoot"/>
-      </p:par>
-    </p:tnLst>
-  </p:timing>
 </p:sld>
 </file>
 
@@ -8972,11 +8850,7 @@
           <a:p>
             <a:r>
               <a:rPr lang="en-US" dirty="0"/>
-              <a:t>D</a:t>
-            </a:r>
-            <a:r>
-              <a:rPr lang="en-US" dirty="0" smtClean="0"/>
-              <a:t>FS Strategy 1: Use a stack</a:t>
+              <a:t>DFS Strategy 1: Use a stack</a:t>
             </a:r>
           </a:p>
         </p:txBody>
@@ -9002,7 +8876,7 @@
           <a:lstStyle/>
           <a:p>
             <a:r>
-              <a:rPr lang="en-US" dirty="0" smtClean="0"/>
+              <a:rPr lang="en-US" dirty="0"/>
               <a:t>Maintain a Stack (Let’s call it S)</a:t>
             </a:r>
           </a:p>
@@ -9011,55 +8885,55 @@
           </a:p>
           <a:p>
             <a:r>
-              <a:rPr lang="en-US" dirty="0" smtClean="0"/>
+              <a:rPr lang="en-US" dirty="0"/>
               <a:t>Start at some node ‘s’ (push ‘s’ to S and mark as visited)</a:t>
             </a:r>
           </a:p>
           <a:p>
             <a:r>
-              <a:rPr lang="en-US" dirty="0" smtClean="0"/>
+              <a:rPr lang="en-US" dirty="0"/>
               <a:t>While S not empty</a:t>
             </a:r>
           </a:p>
           <a:p>
             <a:pPr lvl="1"/>
             <a:r>
-              <a:rPr lang="en-US" dirty="0" smtClean="0"/>
+              <a:rPr lang="en-US" dirty="0"/>
               <a:t>Pop a node ‘n’ from S</a:t>
             </a:r>
           </a:p>
           <a:p>
             <a:pPr lvl="1"/>
             <a:r>
-              <a:rPr lang="en-US" dirty="0" smtClean="0"/>
+              <a:rPr lang="en-US" dirty="0"/>
               <a:t>Process ‘n’ if necessary (depending on problem you are solving)</a:t>
             </a:r>
           </a:p>
           <a:p>
             <a:pPr lvl="1"/>
             <a:r>
-              <a:rPr lang="en-US" dirty="0" smtClean="0"/>
+              <a:rPr lang="en-US" dirty="0"/>
               <a:t>For each non-visited neighbor of ‘n’</a:t>
             </a:r>
           </a:p>
           <a:p>
             <a:pPr lvl="2"/>
             <a:r>
-              <a:rPr lang="en-US" dirty="0" smtClean="0"/>
+              <a:rPr lang="en-US" dirty="0"/>
               <a:t>Mark neighbor as visited</a:t>
             </a:r>
           </a:p>
           <a:p>
             <a:pPr lvl="2"/>
             <a:r>
-              <a:rPr lang="en-US" dirty="0" smtClean="0"/>
+              <a:rPr lang="en-US" dirty="0"/>
               <a:t>Push neighbor onto S</a:t>
             </a:r>
           </a:p>
           <a:p>
             <a:pPr lvl="1"/>
             <a:r>
-              <a:rPr lang="en-US" dirty="0" smtClean="0"/>
+              <a:rPr lang="en-US" dirty="0"/>
               <a:t>Repeat</a:t>
             </a:r>
           </a:p>
@@ -9068,18 +8942,18 @@
           </a:p>
           <a:p>
             <a:r>
-              <a:rPr lang="en-US" dirty="0" smtClean="0"/>
+              <a:rPr lang="en-US" dirty="0"/>
               <a:t>Sound familiar? Same as BFS but uses stack instead of queue!</a:t>
             </a:r>
           </a:p>
           <a:p>
             <a:r>
-              <a:rPr lang="en-US" dirty="0" smtClean="0"/>
+              <a:rPr lang="en-US" dirty="0"/>
               <a:t>Or we can implement recursively (see next slide)</a:t>
             </a:r>
           </a:p>
           <a:p>
-            <a:endParaRPr lang="en-US" dirty="0" smtClean="0"/>
+            <a:endParaRPr lang="en-US" dirty="0"/>
           </a:p>
         </p:txBody>
       </p:sp>
@@ -9093,13 +8967,6 @@
   <p:clrMapOvr>
     <a:masterClrMapping/>
   </p:clrMapOvr>
-  <p:timing>
-    <p:tnLst>
-      <p:par>
-        <p:cTn id="1" dur="indefinite" restart="never" nodeType="tmRoot"/>
-      </p:par>
-    </p:tnLst>
-  </p:timing>
 </p:sld>
 </file>
 
@@ -9141,7 +9008,7 @@
           <a:lstStyle/>
           <a:p>
             <a:r>
-              <a:rPr lang="en-US" dirty="0" smtClean="0"/>
+              <a:rPr lang="en-US" dirty="0"/>
               <a:t>DFS Strategy 2: Recursion</a:t>
             </a:r>
           </a:p>
@@ -9182,16 +9049,12 @@
               <a:t> </a:t>
             </a:r>
             <a:r>
-              <a:rPr lang="en-US" dirty="0" err="1" smtClean="0"/>
+              <a:rPr lang="en-US" dirty="0" err="1"/>
               <a:t>dfs</a:t>
             </a:r>
             <a:r>
-              <a:rPr lang="en-US" dirty="0" smtClean="0"/>
-              <a:t>(graph</a:t>
-            </a:r>
-            <a:r>
               <a:rPr lang="en-US" dirty="0"/>
-              <a:t>, start):</a:t>
+              <a:t>(graph, start):</a:t>
             </a:r>
           </a:p>
           <a:p>
@@ -9214,16 +9077,12 @@
               <a:t>    </a:t>
             </a:r>
             <a:r>
-              <a:rPr lang="en-US" dirty="0" err="1" smtClean="0"/>
+              <a:rPr lang="en-US" dirty="0" err="1"/>
               <a:t>dfs_recurse</a:t>
             </a:r>
             <a:r>
-              <a:rPr lang="en-US" dirty="0" smtClean="0"/>
-              <a:t>(graph</a:t>
-            </a:r>
-            <a:r>
               <a:rPr lang="en-US" dirty="0"/>
-              <a:t>, start, visited)</a:t>
+              <a:t>(graph, start, visited)</a:t>
             </a:r>
           </a:p>
           <a:p>
@@ -9247,16 +9106,12 @@
               <a:t> </a:t>
             </a:r>
             <a:r>
-              <a:rPr lang="en-US" dirty="0" err="1" smtClean="0"/>
+              <a:rPr lang="en-US" dirty="0" err="1"/>
               <a:t>dfs_recurse</a:t>
             </a:r>
             <a:r>
-              <a:rPr lang="en-US" dirty="0" smtClean="0"/>
-              <a:t>(graph</a:t>
-            </a:r>
-            <a:r>
               <a:rPr lang="en-US" dirty="0"/>
-              <a:t>, </a:t>
+              <a:t>(graph, </a:t>
             </a:r>
             <a:r>
               <a:rPr lang="en-US" dirty="0" err="1"/>
@@ -9383,16 +9238,12 @@
               <a:t>            </a:t>
             </a:r>
             <a:r>
-              <a:rPr lang="en-US" dirty="0" err="1" smtClean="0"/>
+              <a:rPr lang="en-US" dirty="0" err="1"/>
               <a:t>dfs_recurse</a:t>
             </a:r>
             <a:r>
-              <a:rPr lang="en-US" dirty="0" smtClean="0"/>
-              <a:t>(graph</a:t>
-            </a:r>
-            <a:r>
               <a:rPr lang="en-US" dirty="0"/>
-              <a:t>, v, visited)</a:t>
+              <a:t>(graph, v, visited)</a:t>
             </a:r>
           </a:p>
           <a:p>
@@ -9402,7 +9253,7 @@
             </a:pPr>
             <a:r>
               <a:rPr lang="en-US" dirty="0"/>
-              <a:t>    </a:t>
+              <a:t>    //</a:t>
             </a:r>
           </a:p>
           <a:p>
@@ -9422,13 +9273,6 @@
   <p:clrMapOvr>
     <a:masterClrMapping/>
   </p:clrMapOvr>
-  <p:timing>
-    <p:tnLst>
-      <p:par>
-        <p:cTn id="1" dur="indefinite" restart="never" nodeType="tmRoot"/>
-      </p:par>
-    </p:tnLst>
-  </p:timing>
 </p:sld>
 </file>
 
@@ -9468,7 +9312,7 @@
           <a:lstStyle/>
           <a:p>
             <a:r>
-              <a:rPr lang="en-US" smtClean="0"/>
+              <a:rPr lang="en-US"/>
               <a:t>Time Complexity of DFS</a:t>
             </a:r>
           </a:p>
@@ -9500,16 +9344,8 @@
               </a:lnSpc>
             </a:pPr>
             <a:r>
-              <a:rPr lang="en-US" dirty="0" smtClean="0"/>
-              <a:t>For a digraph having V vertices and </a:t>
-            </a:r>
-            <a:r>
               <a:rPr lang="en-US" dirty="0"/>
-              <a:t>E</a:t>
-            </a:r>
-            <a:r>
-              <a:rPr lang="en-US" dirty="0" smtClean="0"/>
-              <a:t> edges</a:t>
+              <a:t>For a digraph having V vertices and E edges</a:t>
             </a:r>
           </a:p>
           <a:p>
@@ -9519,25 +9355,25 @@
               </a:lnSpc>
             </a:pPr>
             <a:r>
-              <a:rPr lang="en-US" dirty="0" smtClean="0"/>
+              <a:rPr lang="en-US" dirty="0"/>
               <a:t>Each edge is processed once in the while loop of </a:t>
             </a:r>
             <a:r>
-              <a:rPr lang="en-US" dirty="0" err="1" smtClean="0"/>
+              <a:rPr lang="en-US" dirty="0" err="1"/>
               <a:t>dfs_recurse</a:t>
             </a:r>
             <a:r>
-              <a:rPr lang="en-US" dirty="0" smtClean="0"/>
+              <a:rPr lang="en-US" dirty="0"/>
               <a:t>() for a cost of </a:t>
             </a:r>
             <a:r>
-              <a:rPr lang="en-US" dirty="0" smtClean="0">
+              <a:rPr lang="en-US" dirty="0">
                 <a:sym typeface="Symbol" pitchFamily="18" charset="2"/>
               </a:rPr>
               <a:t></a:t>
             </a:r>
             <a:r>
-              <a:rPr lang="en-US" dirty="0" smtClean="0"/>
+              <a:rPr lang="en-US" dirty="0"/>
               <a:t>(E)</a:t>
             </a:r>
           </a:p>
@@ -9548,7 +9384,7 @@
               </a:lnSpc>
             </a:pPr>
             <a:r>
-              <a:rPr lang="en-US" dirty="0" smtClean="0"/>
+              <a:rPr lang="en-US" dirty="0"/>
               <a:t>Think about adjacency list data structure.</a:t>
             </a:r>
           </a:p>
@@ -9559,7 +9395,7 @@
               </a:lnSpc>
             </a:pPr>
             <a:r>
-              <a:rPr lang="en-US" dirty="0" smtClean="0"/>
+              <a:rPr lang="en-US" dirty="0"/>
               <a:t>Traverse each list exactly once. (Never back up)</a:t>
             </a:r>
           </a:p>
@@ -9570,7 +9406,7 @@
               </a:lnSpc>
             </a:pPr>
             <a:r>
-              <a:rPr lang="en-US" dirty="0" smtClean="0"/>
+              <a:rPr lang="en-US" dirty="0"/>
               <a:t>There are a total of 2*E nodes in all the lists</a:t>
             </a:r>
           </a:p>
@@ -9581,7 +9417,7 @@
               </a:lnSpc>
             </a:pPr>
             <a:r>
-              <a:rPr lang="en-US" dirty="0" smtClean="0"/>
+              <a:rPr lang="en-US" dirty="0"/>
               <a:t>Must visit every node potentially</a:t>
             </a:r>
           </a:p>
@@ -9592,17 +9428,17 @@
               </a:lnSpc>
             </a:pPr>
             <a:r>
-              <a:rPr lang="en-US" dirty="0" smtClean="0"/>
+              <a:rPr lang="en-US" dirty="0"/>
               <a:t>Thus over all time-complexity is </a:t>
             </a:r>
             <a:r>
-              <a:rPr lang="en-US" dirty="0" smtClean="0">
+              <a:rPr lang="en-US" dirty="0">
                 <a:sym typeface="Symbol" pitchFamily="18" charset="2"/>
               </a:rPr>
               <a:t></a:t>
             </a:r>
             <a:r>
-              <a:rPr lang="en-US" dirty="0" smtClean="0"/>
+              <a:rPr lang="en-US" dirty="0"/>
               <a:t>(V+E)</a:t>
             </a:r>
           </a:p>
@@ -9613,7 +9449,7 @@
               </a:lnSpc>
             </a:pPr>
             <a:r>
-              <a:rPr lang="en-US" dirty="0" smtClean="0"/>
+              <a:rPr lang="en-US" dirty="0"/>
               <a:t>Remember: this means the larger of the two values</a:t>
             </a:r>
           </a:p>
@@ -9624,7 +9460,7 @@
               </a:lnSpc>
             </a:pPr>
             <a:r>
-              <a:rPr lang="en-US" dirty="0" smtClean="0"/>
+              <a:rPr lang="en-US" dirty="0"/>
               <a:t>Note: This is considered “linear” for graphs since there are two size parameters for graphs.</a:t>
             </a:r>
           </a:p>
@@ -9634,7 +9470,7 @@
                 <a:spcPct val="90000"/>
               </a:lnSpc>
             </a:pPr>
-            <a:endParaRPr lang="en-US" dirty="0" smtClean="0"/>
+            <a:endParaRPr lang="en-US" dirty="0"/>
           </a:p>
           <a:p>
             <a:pPr marL="450000" lvl="1" indent="0">
@@ -9643,7 +9479,7 @@
               </a:lnSpc>
               <a:buNone/>
             </a:pPr>
-            <a:endParaRPr lang="en-US" dirty="0" smtClean="0"/>
+            <a:endParaRPr lang="en-US" dirty="0"/>
           </a:p>
         </p:txBody>
       </p:sp>
@@ -9652,13 +9488,6 @@
   <p:clrMapOvr>
     <a:masterClrMapping/>
   </p:clrMapOvr>
-  <p:timing>
-    <p:tnLst>
-      <p:par>
-        <p:cTn id="1" dur="indefinite" restart="never" nodeType="tmRoot"/>
-      </p:par>
-    </p:tnLst>
-  </p:timing>
 </p:sld>
 </file>
 
@@ -9698,7 +9527,7 @@
           <a:lstStyle/>
           <a:p>
             <a:r>
-              <a:rPr lang="en-US" smtClean="0"/>
+              <a:rPr lang="en-US"/>
               <a:t>Time Complexity of DFS</a:t>
             </a:r>
           </a:p>
@@ -9730,7 +9559,7 @@
               </a:lnSpc>
             </a:pPr>
             <a:r>
-              <a:rPr lang="en-US" dirty="0" smtClean="0"/>
+              <a:rPr lang="en-US" dirty="0"/>
               <a:t>In terms of d and b</a:t>
             </a:r>
           </a:p>
@@ -9749,15 +9578,15 @@
               </a:lnSpc>
             </a:pPr>
             <a:r>
-              <a:rPr lang="en-US" dirty="0" smtClean="0"/>
+              <a:rPr lang="en-US" dirty="0"/>
               <a:t>Time:	O(</a:t>
             </a:r>
             <a:r>
-              <a:rPr lang="en-US" dirty="0" err="1" smtClean="0"/>
+              <a:rPr lang="en-US" dirty="0" err="1"/>
               <a:t>b^d</a:t>
             </a:r>
             <a:r>
-              <a:rPr lang="en-US" dirty="0" smtClean="0"/>
+              <a:rPr lang="en-US" dirty="0"/>
               <a:t>)		Why?</a:t>
             </a:r>
           </a:p>
@@ -9767,7 +9596,7 @@
                 <a:spcPct val="90000"/>
               </a:lnSpc>
             </a:pPr>
-            <a:endParaRPr lang="en-US" dirty="0" smtClean="0"/>
+            <a:endParaRPr lang="en-US" dirty="0"/>
           </a:p>
           <a:p>
             <a:pPr>
@@ -9776,10 +9605,9 @@
               </a:lnSpc>
             </a:pPr>
             <a:r>
-              <a:rPr lang="en-US" dirty="0" smtClean="0"/>
+              <a:rPr lang="en-US" dirty="0"/>
               <a:t>Space:	O(d)</a:t>
             </a:r>
-            <a:endParaRPr lang="en-US" dirty="0"/>
           </a:p>
           <a:p>
             <a:pPr marL="36900" indent="0">
@@ -9789,7 +9617,7 @@
               <a:buNone/>
             </a:pPr>
             <a:r>
-              <a:rPr lang="en-US" dirty="0" smtClean="0"/>
+              <a:rPr lang="en-US" dirty="0"/>
               <a:t>Notice ‘d’ here is actually the maximum depth the search reaches. In a moment we will bound this more tightly.</a:t>
             </a:r>
           </a:p>
@@ -9801,7 +9629,7 @@
               <a:buFont typeface="Arial" panose="020B0604020202020204" pitchFamily="34" charset="0"/>
               <a:buChar char="•"/>
             </a:pPr>
-            <a:endParaRPr lang="en-US" dirty="0" smtClean="0"/>
+            <a:endParaRPr lang="en-US" dirty="0"/>
           </a:p>
           <a:p>
             <a:pPr marL="36900" indent="0">
@@ -9811,7 +9639,7 @@
               <a:buNone/>
             </a:pPr>
             <a:r>
-              <a:rPr lang="en-US" dirty="0" smtClean="0"/>
+              <a:rPr lang="en-US" dirty="0"/>
               <a:t>Why? Depends on implementation, but when can we get ‘d’ space?</a:t>
             </a:r>
           </a:p>
@@ -9827,13 +9655,6 @@
   <p:clrMapOvr>
     <a:masterClrMapping/>
   </p:clrMapOvr>
-  <p:timing>
-    <p:tnLst>
-      <p:par>
-        <p:cTn id="1" dur="indefinite" restart="never" nodeType="tmRoot"/>
-      </p:par>
-    </p:tnLst>
-  </p:timing>
 </p:sld>
 </file>
 
@@ -9871,7 +9692,7 @@
           <a:p>
             <a:pPr eaLnBrk="1" hangingPunct="1"/>
             <a:r>
-              <a:rPr lang="en-US" dirty="0" smtClean="0"/>
+              <a:rPr lang="en-US" dirty="0"/>
               <a:t>Pros and Cons</a:t>
             </a:r>
           </a:p>
@@ -9894,32 +9715,30 @@
           <a:p>
             <a:pPr eaLnBrk="1" hangingPunct="1"/>
             <a:r>
-              <a:rPr lang="en-US" sz="3200" dirty="0" smtClean="0"/>
+              <a:rPr lang="en-US" sz="3200" dirty="0"/>
               <a:t> BFS</a:t>
             </a:r>
-            <a:endParaRPr lang="en-US" sz="3200" dirty="0"/>
           </a:p>
           <a:p>
             <a:pPr lvl="1" eaLnBrk="1" hangingPunct="1"/>
             <a:r>
-              <a:rPr lang="en-US" sz="2800" dirty="0" smtClean="0"/>
+              <a:rPr lang="en-US" sz="2800" dirty="0"/>
               <a:t>Finds path with lowest number of edges</a:t>
             </a:r>
           </a:p>
           <a:p>
             <a:pPr lvl="1" eaLnBrk="1" hangingPunct="1"/>
             <a:r>
-              <a:rPr lang="en-US" sz="2800" dirty="0" smtClean="0"/>
+              <a:rPr lang="en-US" sz="2800" dirty="0"/>
               <a:t>Uses a lot of memory on large well connected graphs. How much?</a:t>
             </a:r>
           </a:p>
           <a:p>
             <a:pPr lvl="1" eaLnBrk="1" hangingPunct="1"/>
             <a:r>
-              <a:rPr lang="en-US" sz="2800" dirty="0" smtClean="0"/>
+              <a:rPr lang="en-US" sz="2800" dirty="0"/>
               <a:t>Same time complexity as DFS</a:t>
             </a:r>
-            <a:endParaRPr lang="en-US" sz="2800" dirty="0"/>
           </a:p>
         </p:txBody>
       </p:sp>
@@ -9940,7 +9759,7 @@
           <a:p>
             <a:pPr eaLnBrk="1" hangingPunct="1"/>
             <a:r>
-              <a:rPr lang="en-US" sz="3200" dirty="0" smtClean="0"/>
+              <a:rPr lang="en-US" sz="3200" dirty="0"/>
               <a:t> DFS</a:t>
             </a:r>
             <a:endParaRPr lang="en-US" sz="2800" b="1" dirty="0"/>
@@ -9948,24 +9767,23 @@
           <a:p>
             <a:pPr lvl="1"/>
             <a:r>
-              <a:rPr lang="en-US" sz="3000" dirty="0" smtClean="0"/>
+              <a:rPr lang="en-US" sz="3000" dirty="0"/>
               <a:t>Memory efficient</a:t>
             </a:r>
           </a:p>
           <a:p>
             <a:pPr lvl="1"/>
             <a:r>
-              <a:rPr lang="en-US" sz="3000" dirty="0" smtClean="0"/>
+              <a:rPr lang="en-US" sz="3000" dirty="0"/>
               <a:t>Will often find ‘some’ path very quickly</a:t>
             </a:r>
           </a:p>
           <a:p>
             <a:pPr lvl="1"/>
             <a:r>
-              <a:rPr lang="en-US" sz="3000" dirty="0" smtClean="0"/>
+              <a:rPr lang="en-US" sz="3000" dirty="0"/>
               <a:t>Doesn’t find path with lowest number of edges</a:t>
             </a:r>
-            <a:endParaRPr lang="en-US" sz="3000" dirty="0"/>
           </a:p>
         </p:txBody>
       </p:sp>
@@ -9979,13 +9797,6 @@
   <p:clrMapOvr>
     <a:masterClrMapping/>
   </p:clrMapOvr>
-  <p:timing>
-    <p:tnLst>
-      <p:par>
-        <p:cTn id="1" dur="indefinite" restart="never" nodeType="tmRoot"/>
-      </p:par>
-    </p:tnLst>
-  </p:timing>
 </p:sld>
 </file>
 
@@ -10022,10 +9833,9 @@
           <a:lstStyle/>
           <a:p>
             <a:r>
-              <a:rPr lang="en-US" dirty="0" smtClean="0"/>
+              <a:rPr lang="en-US" dirty="0"/>
               <a:t>DFS w/ Iterative Deepening</a:t>
             </a:r>
-            <a:endParaRPr lang="en-US" dirty="0"/>
           </a:p>
         </p:txBody>
       </p:sp>
@@ -10058,13 +9868,6 @@
   <p:clrMapOvr>
     <a:masterClrMapping/>
   </p:clrMapOvr>
-  <p:timing>
-    <p:tnLst>
-      <p:par>
-        <p:cTn id="1" dur="indefinite" restart="never" nodeType="tmRoot"/>
-      </p:par>
-    </p:tnLst>
-  </p:timing>
 </p:sld>
 </file>
 
@@ -10104,7 +9907,7 @@
           <a:lstStyle/>
           <a:p>
             <a:r>
-              <a:rPr lang="en-US" dirty="0" smtClean="0"/>
+              <a:rPr lang="en-US" dirty="0"/>
               <a:t>Motivation</a:t>
             </a:r>
           </a:p>
@@ -10136,7 +9939,7 @@
               </a:lnSpc>
             </a:pPr>
             <a:r>
-              <a:rPr lang="en-US" dirty="0" smtClean="0"/>
+              <a:rPr lang="en-US" dirty="0"/>
               <a:t>When search spaces are HUGE, we want:</a:t>
             </a:r>
           </a:p>
@@ -10147,7 +9950,7 @@
               </a:lnSpc>
             </a:pPr>
             <a:r>
-              <a:rPr lang="en-US" dirty="0" smtClean="0"/>
+              <a:rPr lang="en-US" dirty="0"/>
               <a:t>The memory efficiency of DFS</a:t>
             </a:r>
           </a:p>
@@ -10158,7 +9961,7 @@
               </a:lnSpc>
             </a:pPr>
             <a:r>
-              <a:rPr lang="en-US" dirty="0" smtClean="0"/>
+              <a:rPr lang="en-US" dirty="0"/>
               <a:t>The optimality of BFS</a:t>
             </a:r>
           </a:p>
@@ -10177,7 +9980,7 @@
               </a:lnSpc>
             </a:pPr>
             <a:r>
-              <a:rPr lang="en-US" dirty="0" smtClean="0"/>
+              <a:rPr lang="en-US" dirty="0"/>
               <a:t>Can we combine the two approaches somehow?</a:t>
             </a:r>
           </a:p>
@@ -10193,13 +9996,6 @@
   <p:clrMapOvr>
     <a:masterClrMapping/>
   </p:clrMapOvr>
-  <p:timing>
-    <p:tnLst>
-      <p:par>
-        <p:cTn id="1" dur="indefinite" restart="never" nodeType="tmRoot"/>
-      </p:par>
-    </p:tnLst>
-  </p:timing>
 </p:sld>
 </file>
 
@@ -10239,7 +10035,7 @@
           <a:lstStyle/>
           <a:p>
             <a:r>
-              <a:rPr lang="en-US" dirty="0" smtClean="0"/>
+              <a:rPr lang="en-US" dirty="0"/>
               <a:t>Depth-Limited Search</a:t>
             </a:r>
           </a:p>
@@ -10271,7 +10067,7 @@
               </a:lnSpc>
             </a:pPr>
             <a:r>
-              <a:rPr lang="en-US" dirty="0" smtClean="0"/>
+              <a:rPr lang="en-US" dirty="0"/>
               <a:t>IDEA!</a:t>
             </a:r>
           </a:p>
@@ -10282,7 +10078,7 @@
               </a:lnSpc>
             </a:pPr>
             <a:r>
-              <a:rPr lang="en-US" dirty="0" smtClean="0"/>
+              <a:rPr lang="en-US" dirty="0"/>
               <a:t>Run a depth-first search with extra parameter ‘d’</a:t>
             </a:r>
           </a:p>
@@ -10301,7 +10097,7 @@
               </a:lnSpc>
             </a:pPr>
             <a:r>
-              <a:rPr lang="en-US" dirty="0" smtClean="0"/>
+              <a:rPr lang="en-US" dirty="0"/>
               <a:t>‘d’ is the maximum depth the DFS is willing to search</a:t>
             </a:r>
           </a:p>
@@ -10312,7 +10108,7 @@
               </a:lnSpc>
             </a:pPr>
             <a:r>
-              <a:rPr lang="en-US" dirty="0" smtClean="0"/>
+              <a:rPr lang="en-US" dirty="0"/>
               <a:t>Depth is distance from the start node</a:t>
             </a:r>
           </a:p>
@@ -10331,7 +10127,7 @@
               </a:lnSpc>
             </a:pPr>
             <a:r>
-              <a:rPr lang="en-US" dirty="0" smtClean="0"/>
+              <a:rPr lang="en-US" dirty="0"/>
               <a:t>Once you see a node of depth ‘d’, ignore it’s neighbors and back up as you would normally</a:t>
             </a:r>
           </a:p>
@@ -10347,13 +10143,6 @@
   <p:clrMapOvr>
     <a:masterClrMapping/>
   </p:clrMapOvr>
-  <p:timing>
-    <p:tnLst>
-      <p:par>
-        <p:cTn id="1" dur="indefinite" restart="never" nodeType="tmRoot"/>
-      </p:par>
-    </p:tnLst>
-  </p:timing>
 </p:sld>
 </file>
 
@@ -10393,7 +10182,7 @@
           <a:lstStyle/>
           <a:p>
             <a:r>
-              <a:rPr lang="en-US" smtClean="0"/>
+              <a:rPr lang="en-US"/>
               <a:t>Definition: Directed graph</a:t>
             </a:r>
           </a:p>
@@ -10420,77 +10209,77 @@
           <a:lstStyle/>
           <a:p>
             <a:r>
-              <a:rPr lang="en-US" smtClean="0"/>
+              <a:rPr lang="en-US"/>
               <a:t>Directed Graph</a:t>
             </a:r>
           </a:p>
           <a:p>
             <a:pPr lvl="1"/>
             <a:r>
-              <a:rPr lang="en-US" smtClean="0"/>
+              <a:rPr lang="en-US"/>
               <a:t>A directed graph, or digraph, is a pair </a:t>
             </a:r>
           </a:p>
           <a:p>
             <a:pPr lvl="1"/>
             <a:r>
-              <a:rPr lang="en-US" smtClean="0"/>
+              <a:rPr lang="en-US"/>
               <a:t>G = (V, E) </a:t>
             </a:r>
           </a:p>
           <a:p>
             <a:pPr lvl="1"/>
             <a:r>
-              <a:rPr lang="en-US" smtClean="0"/>
+              <a:rPr lang="en-US"/>
               <a:t>where V is a set whose elements are called vertices, and</a:t>
             </a:r>
           </a:p>
           <a:p>
             <a:pPr lvl="1"/>
             <a:r>
-              <a:rPr lang="en-US" smtClean="0"/>
+              <a:rPr lang="en-US"/>
               <a:t>E is a set of ordered pairs of elements of V. </a:t>
             </a:r>
           </a:p>
           <a:p>
             <a:pPr lvl="1"/>
-            <a:endParaRPr lang="en-US" smtClean="0"/>
+            <a:endParaRPr lang="en-US"/>
           </a:p>
           <a:p>
             <a:pPr lvl="2"/>
             <a:r>
-              <a:rPr lang="en-US" smtClean="0"/>
+              <a:rPr lang="en-US"/>
               <a:t>Vertices are often also called nodes. </a:t>
             </a:r>
           </a:p>
           <a:p>
             <a:pPr lvl="2"/>
             <a:r>
-              <a:rPr lang="en-US" smtClean="0"/>
+              <a:rPr lang="en-US"/>
               <a:t>Elements of E are called edges, or directed edges, or arcs. </a:t>
             </a:r>
           </a:p>
           <a:p>
             <a:pPr lvl="2"/>
             <a:r>
-              <a:rPr lang="en-US" smtClean="0"/>
+              <a:rPr lang="en-US"/>
               <a:t>For directed edge (v, w) in E, v is its tail and w its head; </a:t>
             </a:r>
           </a:p>
           <a:p>
             <a:pPr lvl="2"/>
             <a:r>
-              <a:rPr lang="en-US" smtClean="0"/>
+              <a:rPr lang="en-US"/>
               <a:t>(v, w) is represented in the diagrams as the arrow, v -&gt; w. </a:t>
             </a:r>
           </a:p>
           <a:p>
             <a:pPr lvl="2"/>
             <a:r>
-              <a:rPr lang="en-US" smtClean="0"/>
+              <a:rPr lang="en-US"/>
               <a:t>In text we simple write vw.</a:t>
             </a:r>
-            <a:endParaRPr lang="en-US" dirty="0" smtClean="0"/>
+            <a:endParaRPr lang="en-US" dirty="0"/>
           </a:p>
         </p:txBody>
       </p:sp>
@@ -10499,13 +10288,6 @@
   <p:clrMapOvr>
     <a:masterClrMapping/>
   </p:clrMapOvr>
-  <p:timing>
-    <p:tnLst>
-      <p:par>
-        <p:cTn id="1" dur="indefinite" restart="never" nodeType="tmRoot"/>
-      </p:par>
-    </p:tnLst>
-  </p:timing>
 </p:sld>
 </file>
 
@@ -10588,7 +10370,7 @@
           <a:lstStyle/>
           <a:p>
             <a:r>
-              <a:rPr lang="en-US" dirty="0" smtClean="0"/>
+              <a:rPr lang="en-US" dirty="0"/>
               <a:t>Depth-Limited Search</a:t>
             </a:r>
           </a:p>
@@ -10625,7 +10407,7 @@
               </a:lnSpc>
             </a:pPr>
             <a:r>
-              <a:rPr lang="en-US" b="1" dirty="0" smtClean="0"/>
+              <a:rPr lang="en-US" b="1" dirty="0"/>
               <a:t>D = 2</a:t>
             </a:r>
           </a:p>
@@ -10724,13 +10506,6 @@
   <p:clrMapOvr>
     <a:masterClrMapping/>
   </p:clrMapOvr>
-  <p:timing>
-    <p:tnLst>
-      <p:par>
-        <p:cTn id="1" dur="indefinite" restart="never" nodeType="tmRoot"/>
-      </p:par>
-    </p:tnLst>
-  </p:timing>
 </p:sld>
 </file>
 
@@ -10770,7 +10545,7 @@
           <a:lstStyle/>
           <a:p>
             <a:r>
-              <a:rPr lang="en-US" dirty="0" smtClean="0"/>
+              <a:rPr lang="en-US" dirty="0"/>
               <a:t>Depth-Limited Search</a:t>
             </a:r>
           </a:p>
@@ -10802,7 +10577,7 @@
               </a:lnSpc>
             </a:pPr>
             <a:r>
-              <a:rPr lang="en-US" dirty="0" smtClean="0"/>
+              <a:rPr lang="en-US" dirty="0"/>
               <a:t>Problems with this?</a:t>
             </a:r>
           </a:p>
@@ -10821,7 +10596,7 @@
               </a:lnSpc>
             </a:pPr>
             <a:r>
-              <a:rPr lang="en-US" dirty="0" smtClean="0"/>
+              <a:rPr lang="en-US" dirty="0"/>
               <a:t>Will this ever find a goal node if that node is beyond depth ‘d’?</a:t>
             </a:r>
           </a:p>
@@ -10840,7 +10615,7 @@
               </a:lnSpc>
             </a:pPr>
             <a:r>
-              <a:rPr lang="en-US" dirty="0" smtClean="0"/>
+              <a:rPr lang="en-US" dirty="0"/>
               <a:t>How do we deal with these problems?</a:t>
             </a:r>
           </a:p>
@@ -10856,13 +10631,6 @@
   <p:clrMapOvr>
     <a:masterClrMapping/>
   </p:clrMapOvr>
-  <p:timing>
-    <p:tnLst>
-      <p:par>
-        <p:cTn id="1" dur="indefinite" restart="never" nodeType="tmRoot"/>
-      </p:par>
-    </p:tnLst>
-  </p:timing>
 </p:sld>
 </file>
 
@@ -10902,7 +10670,7 @@
           <a:lstStyle/>
           <a:p>
             <a:r>
-              <a:rPr lang="en-US" dirty="0" smtClean="0"/>
+              <a:rPr lang="en-US" dirty="0"/>
               <a:t>What is Iterative Deepening?</a:t>
             </a:r>
           </a:p>
@@ -10934,7 +10702,7 @@
               </a:lnSpc>
             </a:pPr>
             <a:r>
-              <a:rPr lang="en-US" dirty="0" smtClean="0"/>
+              <a:rPr lang="en-US" dirty="0"/>
               <a:t>IDEA!</a:t>
             </a:r>
           </a:p>
@@ -10945,7 +10713,7 @@
               </a:lnSpc>
             </a:pPr>
             <a:r>
-              <a:rPr lang="en-US" dirty="0" smtClean="0"/>
+              <a:rPr lang="en-US" dirty="0"/>
               <a:t>Run Depth-Limited search over and over with increasing ‘d’ value</a:t>
             </a:r>
           </a:p>
@@ -10964,7 +10732,7 @@
               </a:lnSpc>
             </a:pPr>
             <a:r>
-              <a:rPr lang="en-US" dirty="0" smtClean="0"/>
+              <a:rPr lang="en-US" dirty="0"/>
               <a:t>Analysis? What are the pros and cons?</a:t>
             </a:r>
           </a:p>
@@ -10980,13 +10748,6 @@
   <p:clrMapOvr>
     <a:masterClrMapping/>
   </p:clrMapOvr>
-  <p:timing>
-    <p:tnLst>
-      <p:par>
-        <p:cTn id="1" dur="indefinite" restart="never" nodeType="tmRoot"/>
-      </p:par>
-    </p:tnLst>
-  </p:timing>
 </p:sld>
 </file>
 
@@ -11069,7 +10830,7 @@
           <a:lstStyle/>
           <a:p>
             <a:r>
-              <a:rPr lang="en-US" dirty="0" smtClean="0"/>
+              <a:rPr lang="en-US" dirty="0"/>
               <a:t>Iterative Deepening Example</a:t>
             </a:r>
           </a:p>
@@ -11106,7 +10867,7 @@
               </a:lnSpc>
             </a:pPr>
             <a:r>
-              <a:rPr lang="en-US" b="1" dirty="0" smtClean="0"/>
+              <a:rPr lang="en-US" b="1" dirty="0"/>
               <a:t>D = 1</a:t>
             </a:r>
           </a:p>
@@ -11205,13 +10966,6 @@
   <p:clrMapOvr>
     <a:masterClrMapping/>
   </p:clrMapOvr>
-  <p:timing>
-    <p:tnLst>
-      <p:par>
-        <p:cTn id="1" dur="indefinite" restart="never" nodeType="tmRoot"/>
-      </p:par>
-    </p:tnLst>
-  </p:timing>
 </p:sld>
 </file>
 
@@ -11294,7 +11048,7 @@
           <a:lstStyle/>
           <a:p>
             <a:r>
-              <a:rPr lang="en-US" dirty="0" smtClean="0"/>
+              <a:rPr lang="en-US" dirty="0"/>
               <a:t>Iterative Deepening Example</a:t>
             </a:r>
           </a:p>
@@ -11331,7 +11085,7 @@
               </a:lnSpc>
             </a:pPr>
             <a:r>
-              <a:rPr lang="en-US" b="1" dirty="0" smtClean="0"/>
+              <a:rPr lang="en-US" b="1" dirty="0"/>
               <a:t>D = 2</a:t>
             </a:r>
           </a:p>
@@ -11430,13 +11184,6 @@
   <p:clrMapOvr>
     <a:masterClrMapping/>
   </p:clrMapOvr>
-  <p:timing>
-    <p:tnLst>
-      <p:par>
-        <p:cTn id="1" dur="indefinite" restart="never" nodeType="tmRoot"/>
-      </p:par>
-    </p:tnLst>
-  </p:timing>
 </p:sld>
 </file>
 
@@ -11519,7 +11266,7 @@
           <a:lstStyle/>
           <a:p>
             <a:r>
-              <a:rPr lang="en-US" dirty="0" smtClean="0"/>
+              <a:rPr lang="en-US" dirty="0"/>
               <a:t>Iterative Deepening Example</a:t>
             </a:r>
           </a:p>
@@ -11556,7 +11303,7 @@
               </a:lnSpc>
             </a:pPr>
             <a:r>
-              <a:rPr lang="en-US" b="1" dirty="0" smtClean="0"/>
+              <a:rPr lang="en-US" b="1" dirty="0"/>
               <a:t>D = 3</a:t>
             </a:r>
           </a:p>
@@ -11655,13 +11402,6 @@
   <p:clrMapOvr>
     <a:masterClrMapping/>
   </p:clrMapOvr>
-  <p:timing>
-    <p:tnLst>
-      <p:par>
-        <p:cTn id="1" dur="indefinite" restart="never" nodeType="tmRoot"/>
-      </p:par>
-    </p:tnLst>
-  </p:timing>
 </p:sld>
 </file>
 
@@ -11701,7 +11441,7 @@
           <a:lstStyle/>
           <a:p>
             <a:r>
-              <a:rPr lang="en-US" dirty="0" smtClean="0"/>
+              <a:rPr lang="en-US" dirty="0"/>
               <a:t>Iterative Deepening Pseudo-Code</a:t>
             </a:r>
           </a:p>
@@ -11741,13 +11481,6 @@
   <p:clrMapOvr>
     <a:masterClrMapping/>
   </p:clrMapOvr>
-  <p:timing>
-    <p:tnLst>
-      <p:par>
-        <p:cTn id="1" dur="indefinite" restart="never" nodeType="tmRoot"/>
-      </p:par>
-    </p:tnLst>
-  </p:timing>
 </p:sld>
 </file>
 
@@ -11787,7 +11520,7 @@
           <a:lstStyle/>
           <a:p>
             <a:r>
-              <a:rPr lang="en-US" dirty="0" smtClean="0"/>
+              <a:rPr lang="en-US" dirty="0"/>
               <a:t>Iterative Deepening: Analysis</a:t>
             </a:r>
           </a:p>
@@ -11819,7 +11552,7 @@
               </a:lnSpc>
             </a:pPr>
             <a:r>
-              <a:rPr lang="en-US" dirty="0" smtClean="0"/>
+              <a:rPr lang="en-US" dirty="0"/>
               <a:t>Time Complexity:</a:t>
             </a:r>
           </a:p>
@@ -11830,23 +11563,23 @@
               </a:lnSpc>
             </a:pPr>
             <a:r>
-              <a:rPr lang="en-US" dirty="0" smtClean="0"/>
+              <a:rPr lang="en-US" dirty="0"/>
               <a:t>DFS multiple times so O(</a:t>
             </a:r>
             <a:r>
-              <a:rPr lang="en-US" dirty="0" err="1" smtClean="0"/>
+              <a:rPr lang="en-US" dirty="0" err="1"/>
               <a:t>b^d</a:t>
             </a:r>
             <a:r>
-              <a:rPr lang="en-US" dirty="0" smtClean="0"/>
+              <a:rPr lang="en-US" dirty="0"/>
               <a:t> * d) = O(</a:t>
             </a:r>
             <a:r>
-              <a:rPr lang="en-US" dirty="0" err="1" smtClean="0"/>
+              <a:rPr lang="en-US" dirty="0" err="1"/>
               <a:t>b^d</a:t>
             </a:r>
             <a:r>
-              <a:rPr lang="en-US" dirty="0" smtClean="0"/>
+              <a:rPr lang="en-US" dirty="0"/>
               <a:t>)</a:t>
             </a:r>
           </a:p>
@@ -11857,7 +11590,7 @@
               </a:lnSpc>
             </a:pPr>
             <a:r>
-              <a:rPr lang="en-US" dirty="0" smtClean="0"/>
+              <a:rPr lang="en-US" dirty="0"/>
               <a:t>Same as DFS or BFS</a:t>
             </a:r>
           </a:p>
@@ -11876,7 +11609,7 @@
               </a:lnSpc>
             </a:pPr>
             <a:r>
-              <a:rPr lang="en-US" dirty="0" smtClean="0"/>
+              <a:rPr lang="en-US" dirty="0"/>
               <a:t>Space Complexity:</a:t>
             </a:r>
           </a:p>
@@ -11887,7 +11620,7 @@
               </a:lnSpc>
             </a:pPr>
             <a:r>
-              <a:rPr lang="en-US" dirty="0" smtClean="0"/>
+              <a:rPr lang="en-US" dirty="0"/>
               <a:t>Same as DFS, so O(d)</a:t>
             </a:r>
           </a:p>
@@ -11905,7 +11638,7 @@
                 <a:spcPct val="90000"/>
               </a:lnSpc>
             </a:pPr>
-            <a:endParaRPr lang="en-US" dirty="0" smtClean="0"/>
+            <a:endParaRPr lang="en-US" dirty="0"/>
           </a:p>
           <a:p>
             <a:pPr>
@@ -11914,7 +11647,7 @@
               </a:lnSpc>
             </a:pPr>
             <a:r>
-              <a:rPr lang="en-US" dirty="0" smtClean="0"/>
+              <a:rPr lang="en-US" dirty="0"/>
               <a:t>But this seems so wasteful? Why is this a good approach?</a:t>
             </a:r>
           </a:p>
@@ -11933,7 +11666,7 @@
               </a:lnSpc>
             </a:pPr>
             <a:r>
-              <a:rPr lang="en-US" dirty="0" smtClean="0"/>
+              <a:rPr lang="en-US" dirty="0"/>
               <a:t>Some form of Iterative deepening often used when goal depth is unknown and state space is very large</a:t>
             </a:r>
           </a:p>
@@ -11949,13 +11682,6 @@
   <p:clrMapOvr>
     <a:masterClrMapping/>
   </p:clrMapOvr>
-  <p:timing>
-    <p:tnLst>
-      <p:par>
-        <p:cTn id="1" dur="indefinite" restart="never" nodeType="tmRoot"/>
-      </p:par>
-    </p:tnLst>
-  </p:timing>
 </p:sld>
 </file>
 
@@ -11995,7 +11721,7 @@
           <a:lstStyle/>
           <a:p>
             <a:r>
-              <a:rPr lang="en-US" dirty="0" smtClean="0"/>
+              <a:rPr lang="en-US" dirty="0"/>
               <a:t>Iterative Deepening: Example</a:t>
             </a:r>
           </a:p>
@@ -12032,15 +11758,15 @@
               </a:lnSpc>
             </a:pPr>
             <a:r>
-              <a:rPr lang="en-US" dirty="0" smtClean="0"/>
+              <a:rPr lang="en-US" dirty="0"/>
               <a:t>AI that solves a </a:t>
             </a:r>
             <a:r>
-              <a:rPr lang="en-US" dirty="0" err="1" smtClean="0"/>
+              <a:rPr lang="en-US" dirty="0" err="1"/>
               <a:t>rubik’s</a:t>
             </a:r>
             <a:r>
-              <a:rPr lang="en-US" dirty="0" smtClean="0"/>
+              <a:rPr lang="en-US" dirty="0"/>
               <a:t> cube</a:t>
             </a:r>
           </a:p>
@@ -12059,7 +11785,7 @@
               </a:lnSpc>
             </a:pPr>
             <a:r>
-              <a:rPr lang="en-US" dirty="0" smtClean="0"/>
+              <a:rPr lang="en-US" dirty="0"/>
               <a:t>How will we solve this problem?</a:t>
             </a:r>
           </a:p>
@@ -12078,7 +11804,7 @@
               </a:lnSpc>
             </a:pPr>
             <a:r>
-              <a:rPr lang="en-US" dirty="0" smtClean="0"/>
+              <a:rPr lang="en-US" dirty="0"/>
               <a:t>Want to find smallest number of moves that lead to the solved state</a:t>
             </a:r>
           </a:p>
@@ -12135,13 +11861,6 @@
   <p:clrMapOvr>
     <a:masterClrMapping/>
   </p:clrMapOvr>
-  <p:timing>
-    <p:tnLst>
-      <p:par>
-        <p:cTn id="1" dur="indefinite" restart="never" nodeType="tmRoot"/>
-      </p:par>
-    </p:tnLst>
-  </p:timing>
 </p:sld>
 </file>
 
@@ -12181,7 +11900,7 @@
           <a:lstStyle/>
           <a:p>
             <a:r>
-              <a:rPr lang="en-US" dirty="0" smtClean="0"/>
+              <a:rPr lang="en-US" dirty="0"/>
               <a:t>Iterative Deepening: Example</a:t>
             </a:r>
           </a:p>
@@ -12218,7 +11937,7 @@
               </a:lnSpc>
             </a:pPr>
             <a:r>
-              <a:rPr lang="en-US" dirty="0" smtClean="0"/>
+              <a:rPr lang="en-US" dirty="0"/>
               <a:t>About how many states does the cube have? Let’s estimate</a:t>
             </a:r>
           </a:p>
@@ -12237,7 +11956,7 @@
               </a:lnSpc>
             </a:pPr>
             <a:r>
-              <a:rPr lang="en-US" dirty="0" smtClean="0"/>
+              <a:rPr lang="en-US" dirty="0"/>
               <a:t>8 corner blocks, 3 orientations each</a:t>
             </a:r>
           </a:p>
@@ -12248,7 +11967,7 @@
               </a:lnSpc>
             </a:pPr>
             <a:r>
-              <a:rPr lang="en-US" dirty="0" smtClean="0"/>
+              <a:rPr lang="en-US" dirty="0"/>
               <a:t>8! * 3^8 permutations</a:t>
             </a:r>
           </a:p>
@@ -12259,7 +11978,7 @@
               </a:lnSpc>
             </a:pPr>
             <a:r>
-              <a:rPr lang="en-US" dirty="0" smtClean="0"/>
+              <a:rPr lang="en-US" dirty="0"/>
               <a:t>Some are not possible, but that is ok</a:t>
             </a:r>
           </a:p>
@@ -12278,7 +11997,7 @@
               </a:lnSpc>
             </a:pPr>
             <a:r>
-              <a:rPr lang="en-US" dirty="0" smtClean="0"/>
+              <a:rPr lang="en-US" dirty="0"/>
               <a:t>12 edge pieces, 2 orientations each</a:t>
             </a:r>
           </a:p>
@@ -12289,7 +12008,7 @@
               </a:lnSpc>
             </a:pPr>
             <a:r>
-              <a:rPr lang="en-US" dirty="0" smtClean="0"/>
+              <a:rPr lang="en-US" dirty="0"/>
               <a:t>12! * 2^12 permutations</a:t>
             </a:r>
           </a:p>
@@ -12300,7 +12019,7 @@
               </a:lnSpc>
             </a:pPr>
             <a:r>
-              <a:rPr lang="en-US" dirty="0" smtClean="0"/>
+              <a:rPr lang="en-US" dirty="0"/>
               <a:t>Again, some of these not possible but ok</a:t>
             </a:r>
           </a:p>
@@ -12319,7 +12038,7 @@
               </a:lnSpc>
             </a:pPr>
             <a:r>
-              <a:rPr lang="en-US" dirty="0" smtClean="0"/>
+              <a:rPr lang="en-US" dirty="0"/>
               <a:t>Total: ~ 4.325*10^19</a:t>
             </a:r>
           </a:p>
@@ -12376,13 +12095,6 @@
   <p:clrMapOvr>
     <a:masterClrMapping/>
   </p:clrMapOvr>
-  <p:timing>
-    <p:tnLst>
-      <p:par>
-        <p:cTn id="1" dur="indefinite" restart="never" nodeType="tmRoot"/>
-      </p:par>
-    </p:tnLst>
-  </p:timing>
 </p:sld>
 </file>
 
@@ -12422,7 +12134,7 @@
           <a:lstStyle/>
           <a:p>
             <a:r>
-              <a:rPr lang="en-US" smtClean="0"/>
+              <a:rPr lang="en-US"/>
               <a:t>Definition: Undirected graph</a:t>
             </a:r>
           </a:p>
@@ -12454,7 +12166,7 @@
               </a:lnSpc>
             </a:pPr>
             <a:r>
-              <a:rPr lang="en-US" smtClean="0"/>
+              <a:rPr lang="en-US"/>
               <a:t>Undirected Graph</a:t>
             </a:r>
           </a:p>
@@ -12465,7 +12177,7 @@
               </a:lnSpc>
             </a:pPr>
             <a:r>
-              <a:rPr lang="en-US" smtClean="0"/>
+              <a:rPr lang="en-US"/>
               <a:t>A undirected graph is a pair </a:t>
             </a:r>
           </a:p>
@@ -12476,7 +12188,7 @@
               </a:lnSpc>
             </a:pPr>
             <a:r>
-              <a:rPr lang="en-US" smtClean="0"/>
+              <a:rPr lang="en-US"/>
               <a:t>G = (V, E) </a:t>
             </a:r>
           </a:p>
@@ -12487,7 +12199,7 @@
               </a:lnSpc>
             </a:pPr>
             <a:r>
-              <a:rPr lang="en-US" smtClean="0"/>
+              <a:rPr lang="en-US"/>
               <a:t>where V is a set whose elements are called vertices, and</a:t>
             </a:r>
           </a:p>
@@ -12498,23 +12210,23 @@
               </a:lnSpc>
             </a:pPr>
             <a:r>
-              <a:rPr lang="en-US" smtClean="0"/>
+              <a:rPr lang="en-US"/>
               <a:t>E is a set of </a:t>
             </a:r>
             <a:r>
-              <a:rPr lang="en-US" i="1" smtClean="0"/>
+              <a:rPr lang="en-US" i="1"/>
               <a:t>unordered</a:t>
             </a:r>
             <a:r>
-              <a:rPr lang="en-US" smtClean="0"/>
+              <a:rPr lang="en-US"/>
               <a:t> pairs of </a:t>
             </a:r>
             <a:r>
-              <a:rPr lang="en-US" i="1" smtClean="0"/>
+              <a:rPr lang="en-US" i="1"/>
               <a:t>distinct</a:t>
             </a:r>
             <a:r>
-              <a:rPr lang="en-US" smtClean="0"/>
+              <a:rPr lang="en-US"/>
               <a:t> elements of V. </a:t>
             </a:r>
           </a:p>
@@ -12524,7 +12236,7 @@
                 <a:spcPct val="90000"/>
               </a:lnSpc>
             </a:pPr>
-            <a:endParaRPr lang="en-US" smtClean="0"/>
+            <a:endParaRPr lang="en-US"/>
           </a:p>
           <a:p>
             <a:pPr lvl="2">
@@ -12533,7 +12245,7 @@
               </a:lnSpc>
             </a:pPr>
             <a:r>
-              <a:rPr lang="en-US" smtClean="0"/>
+              <a:rPr lang="en-US"/>
               <a:t>Vertices are often also called nodes. </a:t>
             </a:r>
           </a:p>
@@ -12544,7 +12256,7 @@
               </a:lnSpc>
             </a:pPr>
             <a:r>
-              <a:rPr lang="en-US" smtClean="0"/>
+              <a:rPr lang="en-US"/>
               <a:t>Elements of E are called edges, or undirected edges. </a:t>
             </a:r>
           </a:p>
@@ -12555,7 +12267,7 @@
               </a:lnSpc>
             </a:pPr>
             <a:r>
-              <a:rPr lang="en-US" smtClean="0"/>
+              <a:rPr lang="en-US"/>
               <a:t>Each edge may be considered as a subset of V containing two elements,</a:t>
             </a:r>
           </a:p>
@@ -12566,7 +12278,7 @@
               </a:lnSpc>
             </a:pPr>
             <a:r>
-              <a:rPr lang="en-US" smtClean="0"/>
+              <a:rPr lang="en-US"/>
               <a:t>{v, w} denotes an undirected edge</a:t>
             </a:r>
           </a:p>
@@ -12577,7 +12289,7 @@
               </a:lnSpc>
             </a:pPr>
             <a:r>
-              <a:rPr lang="en-US" smtClean="0"/>
+              <a:rPr lang="en-US"/>
               <a:t>In diagrams this edge is the line v---w.</a:t>
             </a:r>
           </a:p>
@@ -12588,7 +12300,7 @@
               </a:lnSpc>
             </a:pPr>
             <a:r>
-              <a:rPr lang="en-US" smtClean="0"/>
+              <a:rPr lang="en-US"/>
               <a:t>In text we simple write vw, or wv</a:t>
             </a:r>
           </a:p>
@@ -12599,15 +12311,15 @@
               </a:lnSpc>
             </a:pPr>
             <a:r>
-              <a:rPr lang="en-US" smtClean="0"/>
+              <a:rPr lang="en-US"/>
               <a:t>vw is said to be </a:t>
             </a:r>
             <a:r>
-              <a:rPr lang="en-US" i="1" smtClean="0"/>
+              <a:rPr lang="en-US" i="1"/>
               <a:t>incident</a:t>
             </a:r>
             <a:r>
-              <a:rPr lang="en-US" smtClean="0"/>
+              <a:rPr lang="en-US"/>
               <a:t> upon the vertices v and w</a:t>
             </a:r>
           </a:p>
@@ -12618,13 +12330,6 @@
   <p:clrMapOvr>
     <a:masterClrMapping/>
   </p:clrMapOvr>
-  <p:timing>
-    <p:tnLst>
-      <p:par>
-        <p:cTn id="1" dur="indefinite" restart="never" nodeType="tmRoot"/>
-      </p:par>
-    </p:tnLst>
-  </p:timing>
 </p:sld>
 </file>
 
@@ -12664,7 +12369,7 @@
           <a:lstStyle/>
           <a:p>
             <a:r>
-              <a:rPr lang="en-US" dirty="0" smtClean="0"/>
+              <a:rPr lang="en-US" dirty="0"/>
               <a:t>Iterative Deepening: Example</a:t>
             </a:r>
           </a:p>
@@ -12701,7 +12406,7 @@
               </a:lnSpc>
             </a:pPr>
             <a:r>
-              <a:rPr lang="en-US" dirty="0" smtClean="0"/>
+              <a:rPr lang="en-US" dirty="0"/>
               <a:t>Breadth-First Search!</a:t>
             </a:r>
           </a:p>
@@ -12859,13 +12564,6 @@
   <p:clrMapOvr>
     <a:masterClrMapping/>
   </p:clrMapOvr>
-  <p:timing>
-    <p:tnLst>
-      <p:par>
-        <p:cTn id="1" dur="indefinite" restart="never" nodeType="tmRoot"/>
-      </p:par>
-    </p:tnLst>
-  </p:timing>
 </p:sld>
 </file>
 
@@ -12905,7 +12603,7 @@
           <a:lstStyle/>
           <a:p>
             <a:r>
-              <a:rPr lang="en-US" dirty="0" smtClean="0"/>
+              <a:rPr lang="en-US" dirty="0"/>
               <a:t>Iterative Deepening: Example</a:t>
             </a:r>
           </a:p>
@@ -12942,7 +12640,7 @@
               </a:lnSpc>
             </a:pPr>
             <a:r>
-              <a:rPr lang="en-US" dirty="0" smtClean="0"/>
+              <a:rPr lang="en-US" dirty="0"/>
               <a:t>Iterative Deepening!</a:t>
             </a:r>
           </a:p>
@@ -12953,7 +12651,7 @@
               </a:lnSpc>
             </a:pPr>
             <a:r>
-              <a:rPr lang="en-US" dirty="0" smtClean="0"/>
+              <a:rPr lang="en-US" dirty="0"/>
               <a:t>Will still find shortest solution</a:t>
             </a:r>
           </a:p>
@@ -12972,7 +12670,7 @@
               </a:lnSpc>
             </a:pPr>
             <a:r>
-              <a:rPr lang="en-US" dirty="0" smtClean="0"/>
+              <a:rPr lang="en-US" dirty="0"/>
               <a:t>Analysis:</a:t>
             </a:r>
           </a:p>
@@ -12984,11 +12682,7 @@
             </a:pPr>
             <a:r>
               <a:rPr lang="en-US" dirty="0"/>
-              <a:t>b</a:t>
-            </a:r>
-            <a:r>
-              <a:rPr lang="en-US" dirty="0" smtClean="0"/>
-              <a:t> &gt;= 12</a:t>
+              <a:t>b &gt;= 12</a:t>
             </a:r>
           </a:p>
           <a:p>
@@ -12999,11 +12693,7 @@
             </a:pPr>
             <a:r>
               <a:rPr lang="en-US" dirty="0"/>
-              <a:t>d</a:t>
-            </a:r>
-            <a:r>
-              <a:rPr lang="en-US" dirty="0" smtClean="0"/>
-              <a:t> = ?	LB Guess: 20</a:t>
+              <a:t>d = ?	LB Guess: 20</a:t>
             </a:r>
           </a:p>
           <a:p>
@@ -13021,7 +12711,7 @@
               </a:lnSpc>
             </a:pPr>
             <a:r>
-              <a:rPr lang="en-US" dirty="0" smtClean="0"/>
+              <a:rPr lang="en-US" dirty="0"/>
               <a:t>Time: Still might search whole space, no way around this</a:t>
             </a:r>
           </a:p>
@@ -13040,7 +12730,7 @@
               </a:lnSpc>
             </a:pPr>
             <a:r>
-              <a:rPr lang="en-US" dirty="0" smtClean="0"/>
+              <a:rPr lang="en-US" dirty="0"/>
               <a:t>Space: d = 20</a:t>
             </a:r>
           </a:p>
@@ -13051,7 +12741,7 @@
               </a:lnSpc>
             </a:pPr>
             <a:r>
-              <a:rPr lang="en-US" dirty="0" smtClean="0"/>
+              <a:rPr lang="en-US" dirty="0"/>
               <a:t>Probably larger in practice but still very feasible</a:t>
             </a:r>
           </a:p>
@@ -13108,13 +12798,6 @@
   <p:clrMapOvr>
     <a:masterClrMapping/>
   </p:clrMapOvr>
-  <p:timing>
-    <p:tnLst>
-      <p:par>
-        <p:cTn id="1" dur="indefinite" restart="never" nodeType="tmRoot"/>
-      </p:par>
-    </p:tnLst>
-  </p:timing>
 </p:sld>
 </file>
 
@@ -13151,10 +12834,9 @@
           <a:lstStyle/>
           <a:p>
             <a:r>
-              <a:rPr lang="en-US" dirty="0" smtClean="0"/>
+              <a:rPr lang="en-US" dirty="0"/>
               <a:t>Heuristic Search</a:t>
             </a:r>
-            <a:endParaRPr lang="en-US" dirty="0"/>
           </a:p>
         </p:txBody>
       </p:sp>
@@ -13187,13 +12869,6 @@
   <p:clrMapOvr>
     <a:masterClrMapping/>
   </p:clrMapOvr>
-  <p:timing>
-    <p:tnLst>
-      <p:par>
-        <p:cTn id="1" dur="indefinite" restart="never" nodeType="tmRoot"/>
-      </p:par>
-    </p:tnLst>
-  </p:timing>
 </p:sld>
 </file>
 
@@ -13231,7 +12906,7 @@
           <a:p>
             <a:pPr eaLnBrk="1" hangingPunct="1"/>
             <a:r>
-              <a:rPr lang="en-US" dirty="0" smtClean="0"/>
+              <a:rPr lang="en-US" dirty="0"/>
               <a:t>Understanding Heuristic Searches</a:t>
             </a:r>
           </a:p>
@@ -13370,11 +13045,7 @@
             </a:pPr>
             <a:r>
               <a:rPr lang="en-US" sz="2400" dirty="0"/>
-              <a:t>Then placed on the closed </a:t>
-            </a:r>
-            <a:r>
-              <a:rPr lang="en-US" sz="2400" dirty="0" smtClean="0"/>
-              <a:t>list</a:t>
+              <a:t>Then placed on the closed list</a:t>
             </a:r>
           </a:p>
           <a:p>
@@ -13384,7 +13055,7 @@
               </a:lnSpc>
             </a:pPr>
             <a:r>
-              <a:rPr lang="en-US" sz="2600" dirty="0" smtClean="0"/>
+              <a:rPr lang="en-US" sz="2600" dirty="0"/>
               <a:t>You already know some of these algorithms</a:t>
             </a:r>
           </a:p>
@@ -13395,18 +13066,17 @@
               </a:lnSpc>
             </a:pPr>
             <a:r>
-              <a:rPr lang="en-US" sz="2400" dirty="0" smtClean="0"/>
+              <a:rPr lang="en-US" sz="2400" dirty="0"/>
               <a:t>BFS, </a:t>
             </a:r>
             <a:r>
-              <a:rPr lang="en-US" sz="2400" dirty="0" err="1" smtClean="0"/>
+              <a:rPr lang="en-US" sz="2400" dirty="0" err="1"/>
               <a:t>Dijkstra</a:t>
             </a:r>
             <a:r>
-              <a:rPr lang="en-US" sz="2400" dirty="0" smtClean="0"/>
+              <a:rPr lang="en-US" sz="2400" dirty="0"/>
               <a:t>, etc.</a:t>
             </a:r>
-            <a:endParaRPr lang="en-US" sz="2400" dirty="0"/>
           </a:p>
         </p:txBody>
       </p:sp>
@@ -13452,13 +13122,6 @@
   <p:clrMapOvr>
     <a:masterClrMapping/>
   </p:clrMapOvr>
-  <p:timing>
-    <p:tnLst>
-      <p:par>
-        <p:cTn id="1" dur="indefinite" restart="never" nodeType="tmRoot"/>
-      </p:par>
-    </p:tnLst>
-  </p:timing>
 </p:sld>
 </file>
 
@@ -13496,7 +13159,7 @@
           <a:p>
             <a:pPr eaLnBrk="1" hangingPunct="1"/>
             <a:r>
-              <a:rPr lang="en-US" smtClean="0"/>
+              <a:rPr lang="en-US"/>
               <a:t>Overall Structure of the Algorithms</a:t>
             </a:r>
           </a:p>
@@ -13720,13 +13383,6 @@
   <p:clrMapOvr>
     <a:masterClrMapping/>
   </p:clrMapOvr>
-  <p:timing>
-    <p:tnLst>
-      <p:par>
-        <p:cTn id="1" dur="indefinite" restart="never" nodeType="tmRoot"/>
-      </p:par>
-    </p:tnLst>
-  </p:timing>
 </p:sld>
 </file>
 
@@ -13766,14 +13422,14 @@
           <a:p>
             <a:pPr eaLnBrk="1" hangingPunct="1"/>
             <a:r>
-              <a:rPr lang="en-US" smtClean="0"/>
+              <a:rPr lang="en-US"/>
               <a:t>Breadth-First | </a:t>
             </a:r>
             <a:br>
-              <a:rPr lang="en-US" smtClean="0"/>
+              <a:rPr lang="en-US"/>
             </a:br>
             <a:r>
-              <a:rPr lang="en-US" smtClean="0"/>
+              <a:rPr lang="en-US"/>
               <a:t>Characteristics of</a:t>
             </a:r>
           </a:p>
@@ -13803,7 +13459,7 @@
           <a:p>
             <a:pPr eaLnBrk="1" hangingPunct="1"/>
             <a:r>
-              <a:rPr lang="en-US" dirty="0" smtClean="0"/>
+              <a:rPr lang="en-US" dirty="0"/>
               <a:t>Finds a path from the start to the goal by examining the search space ply-by-ply </a:t>
             </a:r>
           </a:p>
@@ -13837,7 +13493,7 @@
               </a:lnSpc>
             </a:pPr>
             <a:r>
-              <a:rPr lang="en-US" dirty="0" smtClean="0"/>
+              <a:rPr lang="en-US" dirty="0"/>
               <a:t>Exhaustive search</a:t>
             </a:r>
           </a:p>
@@ -13848,7 +13504,7 @@
               </a:lnSpc>
             </a:pPr>
             <a:r>
-              <a:rPr lang="en-US" dirty="0" smtClean="0"/>
+              <a:rPr lang="en-US" dirty="0"/>
               <a:t>Systematic, but not clever</a:t>
             </a:r>
           </a:p>
@@ -13858,7 +13514,7 @@
                 <a:spcPct val="90000"/>
               </a:lnSpc>
             </a:pPr>
-            <a:endParaRPr lang="en-US" dirty="0" smtClean="0"/>
+            <a:endParaRPr lang="en-US" dirty="0"/>
           </a:p>
           <a:p>
             <a:pPr eaLnBrk="1" hangingPunct="1">
@@ -13867,7 +13523,7 @@
               </a:lnSpc>
             </a:pPr>
             <a:r>
-              <a:rPr lang="en-US" dirty="0" smtClean="0"/>
+              <a:rPr lang="en-US" dirty="0"/>
               <a:t>Consumes substantial amount of CPU and memory</a:t>
             </a:r>
           </a:p>
@@ -13877,7 +13533,7 @@
                 <a:spcPct val="90000"/>
               </a:lnSpc>
             </a:pPr>
-            <a:endParaRPr lang="en-US" dirty="0" smtClean="0"/>
+            <a:endParaRPr lang="en-US" dirty="0"/>
           </a:p>
           <a:p>
             <a:pPr eaLnBrk="1" hangingPunct="1">
@@ -13886,7 +13542,7 @@
               </a:lnSpc>
             </a:pPr>
             <a:r>
-              <a:rPr lang="en-US" dirty="0" smtClean="0"/>
+              <a:rPr lang="en-US" dirty="0"/>
               <a:t>Guarantees to find paths that have fewest number of nodes in them</a:t>
             </a:r>
           </a:p>
@@ -13897,7 +13553,7 @@
               </a:lnSpc>
             </a:pPr>
             <a:r>
-              <a:rPr lang="en-US" dirty="0" smtClean="0"/>
+              <a:rPr lang="en-US" dirty="0"/>
               <a:t>Not necessarily the shortest distance!</a:t>
             </a:r>
           </a:p>
@@ -13907,7 +13563,7 @@
                 <a:spcPct val="90000"/>
               </a:lnSpc>
             </a:pPr>
-            <a:endParaRPr lang="en-US" b="1" i="1" dirty="0" smtClean="0"/>
+            <a:endParaRPr lang="en-US" b="1" i="1" dirty="0"/>
           </a:p>
           <a:p>
             <a:pPr eaLnBrk="1" hangingPunct="1">
@@ -13916,17 +13572,17 @@
               </a:lnSpc>
             </a:pPr>
             <a:r>
-              <a:rPr lang="en-US" b="1" i="1" dirty="0" smtClean="0"/>
+              <a:rPr lang="en-US" b="1" i="1" dirty="0"/>
               <a:t>Complete</a:t>
             </a:r>
             <a:r>
-              <a:rPr lang="en-US" dirty="0" smtClean="0"/>
+              <a:rPr lang="en-US" dirty="0"/>
               <a:t> algorithm</a:t>
             </a:r>
           </a:p>
           <a:p>
             <a:pPr eaLnBrk="1" hangingPunct="1"/>
-            <a:endParaRPr lang="en-US" dirty="0" smtClean="0"/>
+            <a:endParaRPr lang="en-US" dirty="0"/>
           </a:p>
         </p:txBody>
       </p:sp>
@@ -13972,13 +13628,6 @@
   <p:clrMapOvr>
     <a:masterClrMapping/>
   </p:clrMapOvr>
-  <p:timing>
-    <p:tnLst>
-      <p:par>
-        <p:cTn id="1" dur="indefinite" restart="never" nodeType="tmRoot"/>
-      </p:par>
-    </p:tnLst>
-  </p:timing>
 </p:sld>
 </file>
 
@@ -14016,7 +13665,7 @@
           <a:p>
             <a:pPr eaLnBrk="1" hangingPunct="1"/>
             <a:r>
-              <a:rPr lang="en-US" smtClean="0"/>
+              <a:rPr lang="en-US"/>
               <a:t>Best-First</a:t>
             </a:r>
           </a:p>
@@ -14039,43 +13688,43 @@
           <a:p>
             <a:pPr eaLnBrk="1" hangingPunct="1"/>
             <a:r>
-              <a:rPr lang="en-US" dirty="0" smtClean="0"/>
+              <a:rPr lang="en-US" dirty="0"/>
               <a:t>Uses problem specific knowledge to speed up the search process</a:t>
             </a:r>
           </a:p>
           <a:p>
             <a:pPr eaLnBrk="1" hangingPunct="1"/>
-            <a:endParaRPr lang="en-US" dirty="0" smtClean="0"/>
+            <a:endParaRPr lang="en-US" dirty="0"/>
           </a:p>
           <a:p>
             <a:pPr eaLnBrk="1" hangingPunct="1"/>
             <a:r>
-              <a:rPr lang="en-US" dirty="0" smtClean="0"/>
+              <a:rPr lang="en-US" dirty="0"/>
               <a:t>Head straight for the goal</a:t>
             </a:r>
           </a:p>
           <a:p>
             <a:pPr eaLnBrk="1" hangingPunct="1"/>
-            <a:endParaRPr lang="en-US" dirty="0" smtClean="0"/>
+            <a:endParaRPr lang="en-US" dirty="0"/>
           </a:p>
           <a:p>
             <a:pPr eaLnBrk="1" hangingPunct="1"/>
             <a:r>
-              <a:rPr lang="en-US" dirty="0" smtClean="0"/>
+              <a:rPr lang="en-US" dirty="0"/>
               <a:t>Computes the distance of every node to the goal</a:t>
             </a:r>
           </a:p>
           <a:p>
             <a:pPr lvl="1" eaLnBrk="1" hangingPunct="1"/>
             <a:r>
-              <a:rPr lang="en-US" dirty="0" smtClean="0"/>
+              <a:rPr lang="en-US" dirty="0"/>
               <a:t>Uses the distance (or heuristic cost) as a priority value to determine the next node that should be brought out of the open list </a:t>
             </a:r>
           </a:p>
           <a:p>
             <a:pPr lvl="1" eaLnBrk="1" hangingPunct="1"/>
             <a:r>
-              <a:rPr lang="en-US" dirty="0" smtClean="0"/>
+              <a:rPr lang="en-US" dirty="0"/>
               <a:t>…but what is a heuristic? See next slide!</a:t>
             </a:r>
           </a:p>
@@ -14123,13 +13772,6 @@
   <p:clrMapOvr>
     <a:masterClrMapping/>
   </p:clrMapOvr>
-  <p:timing>
-    <p:tnLst>
-      <p:par>
-        <p:cTn id="1" dur="indefinite" restart="never" nodeType="tmRoot"/>
-      </p:par>
-    </p:tnLst>
-  </p:timing>
 </p:sld>
 </file>
 
@@ -14167,7 +13809,7 @@
           <a:p>
             <a:pPr eaLnBrk="1" hangingPunct="1"/>
             <a:r>
-              <a:rPr lang="en-US" dirty="0" smtClean="0"/>
+              <a:rPr lang="en-US" dirty="0"/>
               <a:t>Heuristics</a:t>
             </a:r>
           </a:p>
@@ -14195,45 +13837,45 @@
           <a:p>
             <a:pPr eaLnBrk="1" hangingPunct="1"/>
             <a:r>
-              <a:rPr lang="en-US" dirty="0" smtClean="0"/>
+              <a:rPr lang="en-US" dirty="0"/>
               <a:t>A </a:t>
             </a:r>
             <a:r>
-              <a:rPr lang="en-US" i="1" u="sng" dirty="0" smtClean="0"/>
+              <a:rPr lang="en-US" i="1" u="sng" dirty="0"/>
               <a:t>Heuristic</a:t>
             </a:r>
             <a:r>
-              <a:rPr lang="en-US" dirty="0" smtClean="0"/>
+              <a:rPr lang="en-US" dirty="0"/>
               <a:t> is a guess. For search problems, a </a:t>
             </a:r>
             <a:r>
-              <a:rPr lang="en-US" i="1" u="sng" dirty="0" smtClean="0"/>
+              <a:rPr lang="en-US" i="1" u="sng" dirty="0"/>
               <a:t>heuristic</a:t>
             </a:r>
             <a:r>
-              <a:rPr lang="en-US" dirty="0" smtClean="0"/>
+              <a:rPr lang="en-US" dirty="0"/>
               <a:t> is an </a:t>
             </a:r>
             <a:r>
-              <a:rPr lang="en-US" i="1" u="sng" dirty="0" smtClean="0"/>
+              <a:rPr lang="en-US" i="1" u="sng" dirty="0"/>
               <a:t>estimate</a:t>
             </a:r>
             <a:r>
-              <a:rPr lang="en-US" dirty="0" smtClean="0"/>
+              <a:rPr lang="en-US" dirty="0"/>
               <a:t> of how much the cost to the goal node will  be.</a:t>
             </a:r>
           </a:p>
           <a:p>
             <a:pPr lvl="1"/>
             <a:r>
-              <a:rPr lang="en-US" dirty="0" smtClean="0"/>
+              <a:rPr lang="en-US" dirty="0"/>
               <a:t>Notice that each node in the graph will have its own heuristic value</a:t>
             </a:r>
           </a:p>
           <a:p>
             <a:pPr lvl="1"/>
             <a:r>
-              <a:rPr lang="en-US" i="1" dirty="0" smtClean="0"/>
+              <a:rPr lang="en-US" i="1" dirty="0"/>
               <a:t>E.g., h(n3) returns a guess as to the cost of the path from node n3 to the goal node</a:t>
             </a:r>
           </a:p>
@@ -14244,7 +13886,7 @@
           <a:p>
             <a:pPr eaLnBrk="1" hangingPunct="1"/>
             <a:r>
-              <a:rPr lang="en-US" dirty="0" smtClean="0"/>
+              <a:rPr lang="en-US" dirty="0"/>
               <a:t>If your heuristic guess is perfect, then you don’t need to search, because you know the answer!</a:t>
             </a:r>
           </a:p>
@@ -14255,21 +13897,21 @@
           <a:p>
             <a:pPr eaLnBrk="1" hangingPunct="1"/>
             <a:r>
-              <a:rPr lang="en-US" dirty="0" smtClean="0"/>
+              <a:rPr lang="en-US" dirty="0"/>
               <a:t>So…as an engineer you can try using different methods for guessing this value.</a:t>
             </a:r>
           </a:p>
           <a:p>
             <a:pPr lvl="1"/>
             <a:r>
-              <a:rPr lang="en-US" dirty="0" smtClean="0"/>
+              <a:rPr lang="en-US" dirty="0"/>
               <a:t>In general, the closer your heuristic guess, the more efficient your search can be.</a:t>
             </a:r>
           </a:p>
           <a:p>
             <a:pPr lvl="1"/>
             <a:r>
-              <a:rPr lang="en-US" dirty="0" smtClean="0"/>
+              <a:rPr lang="en-US" dirty="0"/>
               <a:t>So worth it to work hard to get the heuristic as close to actual cost as possible.</a:t>
             </a:r>
           </a:p>
@@ -14317,13 +13959,6 @@
   <p:clrMapOvr>
     <a:masterClrMapping/>
   </p:clrMapOvr>
-  <p:timing>
-    <p:tnLst>
-      <p:par>
-        <p:cTn id="1" dur="indefinite" restart="never" nodeType="tmRoot"/>
-      </p:par>
-    </p:tnLst>
-  </p:timing>
 </p:sld>
 </file>
 
@@ -14361,7 +13996,7 @@
           <a:p>
             <a:pPr eaLnBrk="1" hangingPunct="1"/>
             <a:r>
-              <a:rPr lang="en-US" dirty="0" smtClean="0"/>
+              <a:rPr lang="en-US" dirty="0"/>
               <a:t>Heuristics</a:t>
             </a:r>
           </a:p>
@@ -14389,55 +14024,43 @@
           <a:p>
             <a:pPr eaLnBrk="1" hangingPunct="1"/>
             <a:r>
-              <a:rPr lang="en-US" dirty="0" smtClean="0"/>
+              <a:rPr lang="en-US" dirty="0"/>
               <a:t>A </a:t>
             </a:r>
             <a:r>
-              <a:rPr lang="en-US" i="1" u="sng" dirty="0" smtClean="0"/>
+              <a:rPr lang="en-US" i="1" u="sng" dirty="0"/>
               <a:t>Heuristic</a:t>
             </a:r>
             <a:r>
-              <a:rPr lang="en-US" dirty="0" smtClean="0"/>
+              <a:rPr lang="en-US" dirty="0"/>
               <a:t> is a guess. For search problems, a </a:t>
             </a:r>
             <a:r>
-              <a:rPr lang="en-US" i="1" u="sng" dirty="0" smtClean="0"/>
+              <a:rPr lang="en-US" i="1" u="sng" dirty="0"/>
               <a:t>heuristic</a:t>
             </a:r>
             <a:r>
-              <a:rPr lang="en-US" dirty="0" smtClean="0"/>
+              <a:rPr lang="en-US" dirty="0"/>
               <a:t> is an </a:t>
             </a:r>
             <a:r>
-              <a:rPr lang="en-US" i="1" u="sng" dirty="0" smtClean="0"/>
+              <a:rPr lang="en-US" i="1" u="sng" dirty="0"/>
               <a:t>estimate</a:t>
             </a:r>
             <a:r>
-              <a:rPr lang="en-US" dirty="0" smtClean="0"/>
+              <a:rPr lang="en-US" dirty="0"/>
               <a:t> of how much the cost to the goal node will  be.</a:t>
             </a:r>
           </a:p>
           <a:p>
             <a:pPr eaLnBrk="1" hangingPunct="1"/>
-            <a:endParaRPr lang="en-US" dirty="0" smtClean="0"/>
+            <a:endParaRPr lang="en-US" dirty="0"/>
           </a:p>
           <a:p>
             <a:pPr eaLnBrk="1" hangingPunct="1"/>
             <a:r>
-              <a:rPr lang="en-US" dirty="0" smtClean="0"/>
+              <a:rPr lang="en-US" dirty="0"/>
               <a:t>Can you answer these questions:</a:t>
-            </a:r>
-            <a:endParaRPr lang="en-US" dirty="0"/>
-          </a:p>
-          <a:p>
-            <a:pPr lvl="1"/>
-            <a:endParaRPr lang="en-US" dirty="0" smtClean="0"/>
-          </a:p>
-          <a:p>
-            <a:pPr lvl="1"/>
-            <a:r>
-              <a:rPr lang="en-US" dirty="0" smtClean="0"/>
-              <a:t>What happens if your heuristic guess is exactly right every time?</a:t>
             </a:r>
           </a:p>
           <a:p>
@@ -14447,8 +14070,8 @@
           <a:p>
             <a:pPr lvl="1"/>
             <a:r>
-              <a:rPr lang="en-US" dirty="0" smtClean="0"/>
-              <a:t>What happens if your heuristic is the same for every node? (e.g., h(x) = 5 for all x)</a:t>
+              <a:rPr lang="en-US" dirty="0"/>
+              <a:t>What happens if your heuristic guess is exactly right every time?</a:t>
             </a:r>
           </a:p>
           <a:p>
@@ -14458,16 +14081,19 @@
           <a:p>
             <a:pPr lvl="1"/>
             <a:r>
-              <a:rPr lang="en-US" dirty="0" smtClean="0"/>
-              <a:t>What happens if your heuristic is erroneous? (</a:t>
-            </a:r>
-            <a:r>
               <a:rPr lang="en-US" dirty="0"/>
-              <a:t>e</a:t>
-            </a:r>
-            <a:r>
-              <a:rPr lang="en-US" dirty="0" smtClean="0"/>
-              <a:t>.g., h(x) &gt; h(y) but x actually closer to goal than y)</a:t>
+              <a:t>What happens if your heuristic is the same for every node? (e.g., h(x) = 5 for all x)</a:t>
+            </a:r>
+          </a:p>
+          <a:p>
+            <a:pPr lvl="1"/>
+            <a:endParaRPr lang="en-US" dirty="0"/>
+          </a:p>
+          <a:p>
+            <a:pPr lvl="1"/>
+            <a:r>
+              <a:rPr lang="en-US" dirty="0"/>
+              <a:t>What happens if your heuristic is erroneous? (e.g., h(x) &gt; h(y) but x actually closer to goal than y)</a:t>
             </a:r>
           </a:p>
         </p:txBody>
@@ -14514,13 +14140,6 @@
   <p:clrMapOvr>
     <a:masterClrMapping/>
   </p:clrMapOvr>
-  <p:timing>
-    <p:tnLst>
-      <p:par>
-        <p:cTn id="1" dur="indefinite" restart="never" nodeType="tmRoot"/>
-      </p:par>
-    </p:tnLst>
-  </p:timing>
 </p:sld>
 </file>
 
@@ -14655,13 +14274,6 @@
   <p:clrMapOvr>
     <a:masterClrMapping/>
   </p:clrMapOvr>
-  <p:timing>
-    <p:tnLst>
-      <p:par>
-        <p:cTn id="1" dur="indefinite" restart="never" nodeType="tmRoot"/>
-      </p:par>
-    </p:tnLst>
-  </p:timing>
 </p:sld>
 </file>
 
@@ -14737,7 +14349,7 @@
           <a:lstStyle/>
           <a:p>
             <a:r>
-              <a:rPr lang="en-US" smtClean="0"/>
+              <a:rPr lang="en-US"/>
               <a:t>Definitions: Weighted Graph</a:t>
             </a:r>
           </a:p>
@@ -14762,79 +14374,79 @@
           <a:lstStyle/>
           <a:p>
             <a:r>
-              <a:rPr lang="en-US" dirty="0" smtClean="0"/>
+              <a:rPr lang="en-US" dirty="0"/>
               <a:t>A weighted graph is a triple (V, E, W) </a:t>
             </a:r>
           </a:p>
           <a:p>
             <a:pPr lvl="1"/>
             <a:r>
-              <a:rPr lang="en-US" dirty="0" smtClean="0"/>
+              <a:rPr lang="en-US" dirty="0"/>
               <a:t>where (V, E) is a graph (directed or undirected) and</a:t>
             </a:r>
           </a:p>
           <a:p>
             <a:pPr lvl="1" algn="l"/>
             <a:r>
-              <a:rPr lang="en-US" dirty="0" smtClean="0"/>
+              <a:rPr lang="en-US" dirty="0"/>
               <a:t>W is a function </a:t>
             </a:r>
             <a:br>
-              <a:rPr lang="en-US" dirty="0" smtClean="0"/>
+              <a:rPr lang="en-US" dirty="0"/>
             </a:br>
             <a:r>
-              <a:rPr lang="en-US" dirty="0" smtClean="0"/>
+              <a:rPr lang="en-US" dirty="0"/>
               <a:t>from E into R, </a:t>
             </a:r>
             <a:br>
-              <a:rPr lang="en-US" dirty="0" smtClean="0"/>
+              <a:rPr lang="en-US" dirty="0"/>
             </a:br>
             <a:r>
-              <a:rPr lang="en-US" dirty="0" smtClean="0"/>
+              <a:rPr lang="en-US" dirty="0"/>
               <a:t>the </a:t>
             </a:r>
             <a:r>
-              <a:rPr lang="en-US" dirty="0" err="1" smtClean="0"/>
+              <a:rPr lang="en-US" dirty="0" err="1"/>
               <a:t>reals</a:t>
             </a:r>
             <a:r>
-              <a:rPr lang="en-US" dirty="0" smtClean="0"/>
+              <a:rPr lang="en-US" dirty="0"/>
               <a:t> (integer </a:t>
             </a:r>
             <a:br>
-              <a:rPr lang="en-US" dirty="0" smtClean="0"/>
+              <a:rPr lang="en-US" dirty="0"/>
             </a:br>
             <a:r>
-              <a:rPr lang="en-US" dirty="0" smtClean="0"/>
+              <a:rPr lang="en-US" dirty="0"/>
               <a:t>or </a:t>
             </a:r>
             <a:r>
-              <a:rPr lang="en-US" dirty="0" err="1" smtClean="0"/>
+              <a:rPr lang="en-US" dirty="0" err="1"/>
               <a:t>rationals</a:t>
             </a:r>
             <a:r>
-              <a:rPr lang="en-US" dirty="0" smtClean="0"/>
+              <a:rPr lang="en-US" dirty="0"/>
               <a:t>). </a:t>
             </a:r>
           </a:p>
           <a:p>
             <a:pPr lvl="1" algn="l"/>
             <a:r>
-              <a:rPr lang="en-US" dirty="0" smtClean="0"/>
+              <a:rPr lang="en-US" dirty="0"/>
               <a:t>For an edge e, </a:t>
             </a:r>
             <a:br>
-              <a:rPr lang="en-US" dirty="0" smtClean="0"/>
+              <a:rPr lang="en-US" dirty="0"/>
             </a:br>
             <a:r>
-              <a:rPr lang="en-US" dirty="0" smtClean="0"/>
+              <a:rPr lang="en-US" dirty="0"/>
               <a:t>W(e) is called </a:t>
             </a:r>
             <a:br>
-              <a:rPr lang="en-US" dirty="0" smtClean="0"/>
+              <a:rPr lang="en-US" dirty="0"/>
             </a:br>
             <a:r>
-              <a:rPr lang="en-US" dirty="0" smtClean="0"/>
+              <a:rPr lang="en-US" dirty="0"/>
               <a:t>the weight of e.</a:t>
             </a:r>
           </a:p>
@@ -14845,13 +14457,6 @@
   <p:clrMapOvr>
     <a:masterClrMapping/>
   </p:clrMapOvr>
-  <p:timing>
-    <p:tnLst>
-      <p:par>
-        <p:cTn id="1" dur="indefinite" restart="never" nodeType="tmRoot"/>
-      </p:par>
-    </p:tnLst>
-  </p:timing>
 </p:sld>
 </file>
 
@@ -14891,14 +14496,14 @@
           <a:p>
             <a:pPr eaLnBrk="1" hangingPunct="1"/>
             <a:r>
-              <a:rPr lang="en-US" smtClean="0"/>
+              <a:rPr lang="en-US"/>
               <a:t>Best-First | </a:t>
             </a:r>
             <a:br>
-              <a:rPr lang="en-US" smtClean="0"/>
+              <a:rPr lang="en-US"/>
             </a:br>
             <a:r>
-              <a:rPr lang="en-US" smtClean="0"/>
+              <a:rPr lang="en-US"/>
               <a:t>Characteristics of</a:t>
             </a:r>
           </a:p>
@@ -14926,15 +14531,15 @@
           <a:p>
             <a:pPr eaLnBrk="1" hangingPunct="1"/>
             <a:r>
-              <a:rPr lang="en-US" dirty="0" smtClean="0"/>
+              <a:rPr lang="en-US" dirty="0"/>
               <a:t>Same as BFS, </a:t>
             </a:r>
             <a:r>
-              <a:rPr lang="en-US" dirty="0" err="1" smtClean="0"/>
+              <a:rPr lang="en-US" dirty="0" err="1"/>
               <a:t>Dijkstra</a:t>
             </a:r>
             <a:r>
-              <a:rPr lang="en-US" dirty="0" smtClean="0"/>
+              <a:rPr lang="en-US" dirty="0"/>
               <a:t>, etc. except the priority value on the priority queue is different.</a:t>
             </a:r>
           </a:p>
@@ -14945,7 +14550,7 @@
           <a:p>
             <a:pPr eaLnBrk="1" hangingPunct="1"/>
             <a:r>
-              <a:rPr lang="en-US" dirty="0" smtClean="0"/>
+              <a:rPr lang="en-US" dirty="0"/>
               <a:t>Use h(x) as the priority value</a:t>
             </a:r>
           </a:p>
@@ -14956,7 +14561,7 @@
           <a:p>
             <a:pPr eaLnBrk="1" hangingPunct="1"/>
             <a:r>
-              <a:rPr lang="en-US" dirty="0" smtClean="0"/>
+              <a:rPr lang="en-US" dirty="0"/>
               <a:t>Situation where Best-First finds a suboptimal path</a:t>
             </a:r>
           </a:p>
@@ -14965,7 +14570,7 @@
               <a:buFont typeface="Wingdings" pitchFamily="2" charset="2"/>
               <a:buNone/>
             </a:pPr>
-            <a:endParaRPr lang="en-US" dirty="0" smtClean="0"/>
+            <a:endParaRPr lang="en-US" dirty="0"/>
           </a:p>
         </p:txBody>
       </p:sp>
@@ -14991,64 +14596,64 @@
           <a:p>
             <a:pPr eaLnBrk="1" hangingPunct="1"/>
             <a:r>
-              <a:rPr lang="en-US" dirty="0" smtClean="0"/>
+              <a:rPr lang="en-US" dirty="0"/>
               <a:t>Heuristic search</a:t>
             </a:r>
           </a:p>
           <a:p>
             <a:pPr eaLnBrk="1" hangingPunct="1"/>
-            <a:endParaRPr lang="en-US" dirty="0" smtClean="0"/>
+            <a:endParaRPr lang="en-US" dirty="0"/>
           </a:p>
           <a:p>
             <a:pPr eaLnBrk="1" hangingPunct="1"/>
             <a:r>
-              <a:rPr lang="en-US" dirty="0" smtClean="0"/>
+              <a:rPr lang="en-US" dirty="0"/>
               <a:t>Uses fewer resources than Breadth-First</a:t>
             </a:r>
           </a:p>
           <a:p>
             <a:pPr eaLnBrk="1" hangingPunct="1"/>
-            <a:endParaRPr lang="en-US" dirty="0" smtClean="0"/>
+            <a:endParaRPr lang="en-US" dirty="0"/>
           </a:p>
           <a:p>
             <a:pPr eaLnBrk="1" hangingPunct="1"/>
             <a:r>
-              <a:rPr lang="en-US" dirty="0" smtClean="0"/>
+              <a:rPr lang="en-US" dirty="0"/>
               <a:t>Tends to find good paths</a:t>
             </a:r>
           </a:p>
           <a:p>
             <a:pPr lvl="1" eaLnBrk="1" hangingPunct="1"/>
             <a:r>
-              <a:rPr lang="en-US" dirty="0" smtClean="0"/>
+              <a:rPr lang="en-US" dirty="0"/>
               <a:t>No guarantee to find most optimal path </a:t>
             </a:r>
           </a:p>
           <a:p>
             <a:pPr lvl="1" eaLnBrk="1" hangingPunct="1"/>
             <a:r>
-              <a:rPr lang="en-US" dirty="0" smtClean="0"/>
+              <a:rPr lang="en-US" dirty="0"/>
               <a:t>Why?</a:t>
             </a:r>
           </a:p>
           <a:p>
             <a:pPr eaLnBrk="1" hangingPunct="1"/>
-            <a:endParaRPr lang="en-US" b="1" i="1" dirty="0" smtClean="0"/>
+            <a:endParaRPr lang="en-US" b="1" i="1" dirty="0"/>
           </a:p>
           <a:p>
             <a:pPr eaLnBrk="1" hangingPunct="1"/>
             <a:r>
-              <a:rPr lang="en-US" b="1" i="1" dirty="0" smtClean="0"/>
+              <a:rPr lang="en-US" b="1" i="1" dirty="0"/>
               <a:t>Complete </a:t>
             </a:r>
             <a:r>
-              <a:rPr lang="en-US" dirty="0" smtClean="0"/>
+              <a:rPr lang="en-US" dirty="0"/>
               <a:t>algorithm</a:t>
             </a:r>
           </a:p>
           <a:p>
             <a:pPr eaLnBrk="1" hangingPunct="1"/>
-            <a:endParaRPr lang="en-US" dirty="0" smtClean="0"/>
+            <a:endParaRPr lang="en-US" dirty="0"/>
           </a:p>
         </p:txBody>
       </p:sp>
@@ -15094,13 +14699,6 @@
   <p:clrMapOvr>
     <a:masterClrMapping/>
   </p:clrMapOvr>
-  <p:timing>
-    <p:tnLst>
-      <p:par>
-        <p:cTn id="1" dur="indefinite" restart="never" nodeType="tmRoot"/>
-      </p:par>
-    </p:tnLst>
-  </p:timing>
 </p:sld>
 </file>
 
@@ -15137,16 +14735,6 @@
           <a:lstStyle/>
           <a:p>
             <a:r>
-              <a:rPr lang="en-US" altLang="en-US" b="1" dirty="0" smtClean="0">
-                <a:effectLst>
-                  <a:outerShdw blurRad="38100" dist="38100" dir="2700000" algn="tl">
-                    <a:srgbClr val="C0C0C0"/>
-                  </a:outerShdw>
-                </a:effectLst>
-              </a:rPr>
-              <a:t>Example: Robot </a:t>
-            </a:r>
-            <a:r>
               <a:rPr lang="en-US" altLang="en-US" b="1" dirty="0">
                 <a:effectLst>
                   <a:outerShdw blurRad="38100" dist="38100" dir="2700000" algn="tl">
@@ -15154,7 +14742,7 @@
                   </a:outerShdw>
                 </a:effectLst>
               </a:rPr>
-              <a:t>Navigation</a:t>
+              <a:t>Example: Robot Navigation</a:t>
             </a:r>
           </a:p>
         </p:txBody>
@@ -16912,10 +16500,9 @@
           <a:lstStyle/>
           <a:p>
             <a:r>
-              <a:rPr lang="en-US" dirty="0" smtClean="0"/>
+              <a:rPr lang="en-US" dirty="0"/>
               <a:t>*Red is starting point, green the goal node</a:t>
             </a:r>
-            <a:endParaRPr lang="en-US" dirty="0"/>
           </a:p>
         </p:txBody>
       </p:sp>
@@ -16929,13 +16516,6 @@
   <p:clrMapOvr>
     <a:masterClrMapping/>
   </p:clrMapOvr>
-  <p:timing>
-    <p:tnLst>
-      <p:par>
-        <p:cTn id="1" dur="indefinite" restart="never" nodeType="tmRoot"/>
-      </p:par>
-    </p:tnLst>
-  </p:timing>
 </p:sld>
 </file>
 
@@ -16979,25 +16559,8 @@
                   </a:outerShdw>
                 </a:effectLst>
               </a:rPr>
-              <a:t>Robot </a:t>
-            </a:r>
-            <a:r>
-              <a:rPr lang="en-US" altLang="en-US" b="1" dirty="0" smtClean="0">
-                <a:effectLst>
-                  <a:outerShdw blurRad="38100" dist="38100" dir="2700000" algn="tl">
-                    <a:srgbClr val="C0C0C0"/>
-                  </a:outerShdw>
-                </a:effectLst>
-              </a:rPr>
-              <a:t>Navigation: Best-First Search</a:t>
-            </a:r>
-            <a:endParaRPr lang="en-US" altLang="en-US" b="1" dirty="0">
-              <a:effectLst>
-                <a:outerShdw blurRad="38100" dist="38100" dir="2700000" algn="tl">
-                  <a:srgbClr val="C0C0C0"/>
-                </a:outerShdw>
-              </a:effectLst>
-            </a:endParaRPr>
+              <a:t>Robot Navigation: Best-First Search</a:t>
+            </a:r>
           </a:p>
         </p:txBody>
       </p:sp>
@@ -21215,13 +20778,6 @@
   <p:clrMapOvr>
     <a:masterClrMapping/>
   </p:clrMapOvr>
-  <p:timing>
-    <p:tnLst>
-      <p:par>
-        <p:cTn id="1" dur="indefinite" restart="never" nodeType="tmRoot"/>
-      </p:par>
-    </p:tnLst>
-  </p:timing>
 </p:sld>
 </file>
 
@@ -27011,13 +26567,6 @@
   <p:clrMapOvr>
     <a:masterClrMapping/>
   </p:clrMapOvr>
-  <p:timing>
-    <p:tnLst>
-      <p:par>
-        <p:cTn id="1" dur="indefinite" restart="never" nodeType="tmRoot"/>
-      </p:par>
-    </p:tnLst>
-  </p:timing>
 </p:sld>
 </file>
 
@@ -27112,22 +26661,16 @@
             </a:r>
           </a:p>
           <a:p>
-            <a:endParaRPr lang="en-US" altLang="en-US" dirty="0" smtClean="0">
+            <a:endParaRPr lang="en-US" altLang="en-US" dirty="0">
               <a:sym typeface="Wingdings" panose="05000000000000000000" pitchFamily="2" charset="2"/>
             </a:endParaRPr>
           </a:p>
           <a:p>
-            <a:r>
-              <a:rPr lang="en-US" altLang="en-US" dirty="0" smtClean="0">
-                <a:sym typeface="Wingdings" panose="05000000000000000000" pitchFamily="2" charset="2"/>
-              </a:rPr>
-              <a:t>Is </a:t>
-            </a:r>
             <a:r>
               <a:rPr lang="en-US" altLang="en-US" dirty="0">
                 <a:sym typeface="Wingdings" panose="05000000000000000000" pitchFamily="2" charset="2"/>
               </a:rPr>
-              <a:t>it complete?</a:t>
+              <a:t>Is it complete?</a:t>
             </a:r>
           </a:p>
           <a:p>
@@ -27153,20 +26696,15 @@
           <a:p>
             <a:r>
               <a:rPr lang="en-US" altLang="en-US" dirty="0"/>
-              <a:t>Is it optimal</a:t>
-            </a:r>
-            <a:r>
-              <a:rPr lang="en-US" altLang="en-US" dirty="0" smtClean="0"/>
-              <a:t>?</a:t>
+              <a:t>Is it optimal?</a:t>
             </a:r>
           </a:p>
           <a:p>
             <a:pPr lvl="1"/>
             <a:r>
-              <a:rPr lang="en-US" altLang="en-US" dirty="0" smtClean="0"/>
+              <a:rPr lang="en-US" altLang="en-US" dirty="0"/>
               <a:t>No! Need something better</a:t>
             </a:r>
-            <a:endParaRPr lang="en-US" altLang="en-US" dirty="0"/>
           </a:p>
           <a:p>
             <a:endParaRPr lang="en-US" altLang="en-US" dirty="0">
@@ -27187,13 +26725,6 @@
   <p:clrMapOvr>
     <a:masterClrMapping/>
   </p:clrMapOvr>
-  <p:timing>
-    <p:tnLst>
-      <p:par>
-        <p:cTn id="1" dur="indefinite" restart="never" nodeType="tmRoot"/>
-      </p:par>
-    </p:tnLst>
-  </p:timing>
 </p:sld>
 </file>
 
@@ -27230,11 +26761,11 @@
           <a:lstStyle/>
           <a:p>
             <a:r>
-              <a:rPr lang="en-US" dirty="0" smtClean="0"/>
+              <a:rPr lang="en-US" dirty="0"/>
               <a:t>A* </a:t>
             </a:r>
             <a:r>
-              <a:rPr lang="en-US" dirty="0" err="1" smtClean="0"/>
+              <a:rPr lang="en-US" dirty="0" err="1"/>
               <a:t>Pathfinding</a:t>
             </a:r>
             <a:endParaRPr lang="en-US" dirty="0"/>
@@ -27270,13 +26801,6 @@
   <p:clrMapOvr>
     <a:masterClrMapping/>
   </p:clrMapOvr>
-  <p:timing>
-    <p:tnLst>
-      <p:par>
-        <p:cTn id="1" dur="indefinite" restart="never" nodeType="tmRoot"/>
-      </p:par>
-    </p:tnLst>
-  </p:timing>
 </p:sld>
 </file>
 
@@ -27443,13 +26967,6 @@
   <p:clrMapOvr>
     <a:masterClrMapping/>
   </p:clrMapOvr>
-  <p:timing>
-    <p:tnLst>
-      <p:par>
-        <p:cTn id="1" dur="indefinite" restart="never" nodeType="tmRoot"/>
-      </p:par>
-    </p:tnLst>
-  </p:timing>
 </p:sld>
 </file>
 
@@ -34547,13 +34064,6 @@
   <p:clrMapOvr>
     <a:masterClrMapping/>
   </p:clrMapOvr>
-  <p:timing>
-    <p:tnLst>
-      <p:par>
-        <p:cTn id="1" dur="indefinite" restart="never" nodeType="tmRoot"/>
-      </p:par>
-    </p:tnLst>
-  </p:timing>
 </p:sld>
 </file>
 
@@ -34645,10 +34155,6 @@
             <a:br>
               <a:rPr lang="en-US" altLang="en-US" sz="2400" dirty="0"/>
             </a:br>
-            <a:r>
-              <a:rPr lang="en-US" altLang="en-US" sz="1000" dirty="0"/>
-              <a:t/>
-            </a:r>
             <a:br>
               <a:rPr lang="en-US" altLang="en-US" sz="1000" dirty="0"/>
             </a:br>
@@ -34671,10 +34177,6 @@
                 </a:solidFill>
               </a:rPr>
             </a:br>
-            <a:r>
-              <a:rPr lang="en-US" altLang="en-US" sz="1000" dirty="0"/>
-              <a:t/>
-            </a:r>
             <a:br>
               <a:rPr lang="en-US" altLang="en-US" sz="1000" dirty="0"/>
             </a:br>
@@ -34795,13 +34297,6 @@
   <p:clrMapOvr>
     <a:masterClrMapping/>
   </p:clrMapOvr>
-  <p:timing>
-    <p:tnLst>
-      <p:par>
-        <p:cTn id="1" dur="indefinite" restart="never" nodeType="tmRoot"/>
-      </p:par>
-    </p:tnLst>
-  </p:timing>
 </p:sld>
 </file>
 
@@ -34926,10 +34421,6 @@
             <a:br>
               <a:rPr lang="en-US" altLang="en-US" dirty="0"/>
             </a:br>
-            <a:r>
-              <a:rPr lang="en-US" altLang="en-US" sz="1000" dirty="0"/>
-              <a:t/>
-            </a:r>
             <a:br>
               <a:rPr lang="en-US" altLang="en-US" sz="1000" dirty="0"/>
             </a:br>
@@ -35037,13 +34528,6 @@
   <p:clrMapOvr>
     <a:masterClrMapping/>
   </p:clrMapOvr>
-  <p:timing>
-    <p:tnLst>
-      <p:par>
-        <p:cTn id="1" dur="indefinite" restart="never" nodeType="tmRoot"/>
-      </p:par>
-    </p:tnLst>
-  </p:timing>
 </p:sld>
 </file>
 
@@ -35230,13 +34714,6 @@
   <p:clrMapOvr>
     <a:masterClrMapping/>
   </p:clrMapOvr>
-  <p:timing>
-    <p:tnLst>
-      <p:par>
-        <p:cTn id="1" dur="indefinite" restart="never" nodeType="tmRoot"/>
-      </p:par>
-    </p:tnLst>
-  </p:timing>
 </p:sld>
 </file>
 
@@ -35336,10 +34813,6 @@
             <a:br>
               <a:rPr lang="en-US" altLang="en-US" dirty="0"/>
             </a:br>
-            <a:r>
-              <a:rPr lang="en-US" altLang="en-US" dirty="0"/>
-              <a:t/>
-            </a:r>
             <a:br>
               <a:rPr lang="en-US" altLang="en-US" dirty="0"/>
             </a:br>
@@ -35370,15 +34843,11 @@
               </a:rPr>
               <a:t> c(N,N’) + h(N’)</a:t>
             </a:r>
-            <a:r>
-              <a:rPr lang="en-US" altLang="en-US" dirty="0"/>
-              <a:t/>
-            </a:r>
             <a:br>
               <a:rPr lang="en-US" altLang="en-US" dirty="0"/>
             </a:br>
             <a:r>
-              <a:rPr lang="en-US" altLang="en-US" dirty="0" smtClean="0">
+              <a:rPr lang="en-US" altLang="en-US" dirty="0">
                 <a:solidFill>
                   <a:srgbClr val="CC6600"/>
                 </a:solidFill>
@@ -35386,7 +34855,7 @@
               <a:t>h(Goal) </a:t>
             </a:r>
             <a:r>
-              <a:rPr lang="en-US" altLang="en-US" sz="2800" b="1" dirty="0" smtClean="0">
+              <a:rPr lang="en-US" altLang="en-US" sz="2800" b="1" dirty="0">
                 <a:solidFill>
                   <a:srgbClr val="CC6600"/>
                 </a:solidFill>
@@ -35397,7 +34866,7 @@
               <a:t>=</a:t>
             </a:r>
             <a:r>
-              <a:rPr lang="en-US" altLang="en-US" dirty="0" smtClean="0">
+              <a:rPr lang="en-US" altLang="en-US" dirty="0">
                 <a:solidFill>
                   <a:srgbClr val="CC6600"/>
                 </a:solidFill>
@@ -35409,24 +34878,12 @@
             <a:pPr marL="36900" indent="0">
               <a:buNone/>
             </a:pPr>
-            <a:r>
-              <a:rPr lang="en-US" altLang="en-US" dirty="0"/>
-              <a:t/>
-            </a:r>
             <a:br>
               <a:rPr lang="en-US" altLang="en-US" dirty="0"/>
             </a:br>
             <a:r>
-              <a:rPr lang="en-US" altLang="en-US" dirty="0" smtClean="0"/>
-              <a:t>	(</a:t>
-            </a:r>
-            <a:r>
               <a:rPr lang="en-US" altLang="en-US" dirty="0"/>
-              <a:t>triangular inequality</a:t>
-            </a:r>
-            <a:r>
-              <a:rPr lang="en-US" altLang="en-US" dirty="0" smtClean="0"/>
-              <a:t>)</a:t>
+              <a:t>	(triangular inequality)</a:t>
             </a:r>
           </a:p>
           <a:p>
@@ -35441,7 +34898,7 @@
               <a:buChar char="•"/>
             </a:pPr>
             <a:r>
-              <a:rPr lang="en-US" altLang="en-US" i="1" dirty="0" smtClean="0"/>
+              <a:rPr lang="en-US" altLang="en-US" i="1" dirty="0"/>
               <a:t>h() is consistent -&gt; h() is admissible</a:t>
             </a:r>
           </a:p>
@@ -35451,10 +34908,9 @@
               <a:buChar char="•"/>
             </a:pPr>
             <a:r>
-              <a:rPr lang="en-US" altLang="en-US" i="1" dirty="0" smtClean="0"/>
+              <a:rPr lang="en-US" altLang="en-US" i="1" dirty="0"/>
               <a:t>Converse not necessarily true. Can you prove this?</a:t>
             </a:r>
-            <a:endParaRPr lang="en-US" altLang="en-US" i="1" dirty="0"/>
           </a:p>
         </p:txBody>
       </p:sp>
@@ -36128,13 +35584,6 @@
   <p:clrMapOvr>
     <a:masterClrMapping/>
   </p:clrMapOvr>
-  <p:timing>
-    <p:tnLst>
-      <p:par>
-        <p:cTn id="1" dur="indefinite" restart="never" nodeType="tmRoot"/>
-      </p:par>
-    </p:tnLst>
-  </p:timing>
 </p:sld>
 </file>
 
@@ -36217,10 +35666,6 @@
             <a:br>
               <a:rPr lang="en-US" altLang="en-US" sz="2800"/>
             </a:br>
-            <a:r>
-              <a:rPr lang="en-US" altLang="en-US" sz="2800"/>
-              <a:t/>
-            </a:r>
             <a:br>
               <a:rPr lang="en-US" altLang="en-US" sz="2800"/>
             </a:br>
@@ -36934,13 +36379,6 @@
   <p:clrMapOvr>
     <a:masterClrMapping/>
   </p:clrMapOvr>
-  <p:timing>
-    <p:tnLst>
-      <p:par>
-        <p:cTn id="1" dur="indefinite" restart="never" nodeType="tmRoot"/>
-      </p:par>
-    </p:tnLst>
-  </p:timing>
 </p:sld>
 </file>
 
@@ -37023,10 +36461,6 @@
             <a:br>
               <a:rPr lang="en-US" altLang="en-US" sz="2800"/>
             </a:br>
-            <a:r>
-              <a:rPr lang="en-US" altLang="en-US" sz="2800"/>
-              <a:t/>
-            </a:r>
             <a:br>
               <a:rPr lang="en-US" altLang="en-US" sz="2800"/>
             </a:br>
@@ -37784,13 +37218,6 @@
   <p:clrMapOvr>
     <a:masterClrMapping/>
   </p:clrMapOvr>
-  <p:timing>
-    <p:tnLst>
-      <p:par>
-        <p:cTn id="1" dur="indefinite" restart="never" nodeType="tmRoot"/>
-      </p:par>
-    </p:tnLst>
-  </p:timing>
 </p:sld>
 </file>
 
@@ -37880,10 +37307,6 @@
             <a:br>
               <a:rPr lang="en-US" altLang="en-US" sz="2800"/>
             </a:br>
-            <a:r>
-              <a:rPr lang="en-US" altLang="en-US" sz="2800"/>
-              <a:t/>
-            </a:r>
             <a:br>
               <a:rPr lang="en-US" altLang="en-US" sz="2800"/>
             </a:br>
@@ -38636,13 +38059,6 @@
   <p:clrMapOvr>
     <a:masterClrMapping/>
   </p:clrMapOvr>
-  <p:timing>
-    <p:tnLst>
-      <p:par>
-        <p:cTn id="1" dur="indefinite" restart="never" nodeType="tmRoot"/>
-      </p:par>
-    </p:tnLst>
-  </p:timing>
 </p:sld>
 </file>
 
@@ -38682,7 +38098,7 @@
           <a:lstStyle/>
           <a:p>
             <a:r>
-              <a:rPr lang="en-US" dirty="0" smtClean="0"/>
+              <a:rPr lang="en-US" dirty="0"/>
               <a:t>Back to the Puzzle!</a:t>
             </a:r>
           </a:p>
@@ -38739,13 +38155,6 @@
   <p:clrMapOvr>
     <a:masterClrMapping/>
   </p:clrMapOvr>
-  <p:timing>
-    <p:tnLst>
-      <p:par>
-        <p:cTn id="1" dur="indefinite" restart="never" nodeType="tmRoot"/>
-      </p:par>
-    </p:tnLst>
-  </p:timing>
 </p:sld>
 </file>
 
@@ -38824,23 +38233,15 @@
             </a:r>
             <a:r>
               <a:rPr lang="en-US" altLang="en-US" dirty="0"/>
-              <a:t>h(n) is </a:t>
-            </a:r>
-            <a:r>
-              <a:rPr lang="en-US" altLang="en-US" dirty="0" smtClean="0"/>
-              <a:t>admissible</a:t>
-            </a:r>
-            <a:r>
-              <a:rPr lang="en-US" altLang="en-US" i="1" dirty="0" smtClean="0"/>
+              <a:t>h(n) is admissible</a:t>
+            </a:r>
+            <a:r>
+              <a:rPr lang="en-US" altLang="en-US" i="1" dirty="0"/>
               <a:t>, </a:t>
             </a:r>
             <a:r>
               <a:rPr lang="en-US" altLang="en-US" dirty="0"/>
-              <a:t>then A* is optimal</a:t>
-            </a:r>
-            <a:r>
-              <a:rPr lang="en-US" altLang="en-US" dirty="0" smtClean="0"/>
-              <a:t>.</a:t>
+              <a:t>then A* is optimal.</a:t>
             </a:r>
           </a:p>
           <a:p>
@@ -38851,7 +38252,7 @@
           </a:p>
           <a:p>
             <a:r>
-              <a:rPr lang="en-US" altLang="en-US" dirty="0" smtClean="0">
+              <a:rPr lang="en-US" altLang="en-US" dirty="0">
                 <a:cs typeface="Times New Roman" panose="02020603050405020304" pitchFamily="18" charset="0"/>
                 <a:sym typeface="Symbol" panose="05050102010706020507" pitchFamily="18" charset="2"/>
               </a:rPr>
@@ -38861,7 +38262,7 @@
           <a:p>
             <a:pPr lvl="1"/>
             <a:r>
-              <a:rPr lang="en-US" altLang="en-US" i="1" dirty="0" smtClean="0">
+              <a:rPr lang="en-US" altLang="en-US" i="1" dirty="0">
                 <a:cs typeface="Times New Roman" panose="02020603050405020304" pitchFamily="18" charset="0"/>
                 <a:sym typeface="Symbol" panose="05050102010706020507" pitchFamily="18" charset="2"/>
               </a:rPr>
@@ -38877,7 +38278,7 @@
           </a:p>
           <a:p>
             <a:r>
-              <a:rPr lang="en-US" altLang="en-US" i="1" dirty="0" smtClean="0">
+              <a:rPr lang="en-US" altLang="en-US" i="1" dirty="0">
                 <a:cs typeface="Times New Roman" panose="02020603050405020304" pitchFamily="18" charset="0"/>
                 <a:sym typeface="Symbol" panose="05050102010706020507" pitchFamily="18" charset="2"/>
               </a:rPr>
@@ -38887,7 +38288,7 @@
           <a:p>
             <a:pPr lvl="1"/>
             <a:r>
-              <a:rPr lang="en-US" altLang="en-US" i="1" dirty="0" smtClean="0">
+              <a:rPr lang="en-US" altLang="en-US" i="1" dirty="0">
                 <a:cs typeface="Times New Roman" panose="02020603050405020304" pitchFamily="18" charset="0"/>
                 <a:sym typeface="Symbol" panose="05050102010706020507" pitchFamily="18" charset="2"/>
               </a:rPr>
@@ -38897,7 +38298,7 @@
           <a:p>
             <a:pPr lvl="1"/>
             <a:r>
-              <a:rPr lang="en-US" altLang="en-US" i="1" dirty="0" smtClean="0">
+              <a:rPr lang="en-US" altLang="en-US" i="1" dirty="0">
                 <a:cs typeface="Times New Roman" panose="02020603050405020304" pitchFamily="18" charset="0"/>
                 <a:sym typeface="Symbol" panose="05050102010706020507" pitchFamily="18" charset="2"/>
               </a:rPr>
@@ -38923,13 +38324,6 @@
   <p:clrMapOvr>
     <a:masterClrMapping/>
   </p:clrMapOvr>
-  <p:timing>
-    <p:tnLst>
-      <p:par>
-        <p:cTn id="1" dur="indefinite" restart="never" nodeType="tmRoot"/>
-      </p:par>
-    </p:tnLst>
-  </p:timing>
 </p:sld>
 </file>
 
@@ -39229,13 +38623,6 @@
   <p:clrMapOvr>
     <a:masterClrMapping/>
   </p:clrMapOvr>
-  <p:timing>
-    <p:tnLst>
-      <p:par>
-        <p:cTn id="1" dur="indefinite" restart="never" nodeType="tmRoot"/>
-      </p:par>
-    </p:tnLst>
-  </p:timing>
 </p:sld>
 </file>
 
@@ -39273,7 +38660,7 @@
           <a:p>
             <a:pPr eaLnBrk="1" hangingPunct="1"/>
             <a:r>
-              <a:rPr lang="en-US" dirty="0" smtClean="0"/>
+              <a:rPr lang="en-US" dirty="0"/>
               <a:t>A* | Summary</a:t>
             </a:r>
           </a:p>
@@ -39303,7 +38690,7 @@
           <a:p>
             <a:pPr eaLnBrk="1" hangingPunct="1"/>
             <a:r>
-              <a:rPr lang="en-US" smtClean="0"/>
+              <a:rPr lang="en-US"/>
               <a:t>Uses both heuristic cost and given cost to order the open list</a:t>
             </a:r>
           </a:p>
@@ -39324,18 +38711,18 @@
           </a:p>
           <a:p>
             <a:pPr eaLnBrk="1" hangingPunct="1"/>
-            <a:endParaRPr lang="en-US" smtClean="0"/>
+            <a:endParaRPr lang="en-US"/>
           </a:p>
           <a:p>
             <a:pPr eaLnBrk="1" hangingPunct="1"/>
             <a:r>
-              <a:rPr lang="en-US" smtClean="0"/>
+              <a:rPr lang="en-US"/>
               <a:t>Avoids Best-First trap!</a:t>
             </a:r>
           </a:p>
           <a:p>
             <a:pPr eaLnBrk="1" hangingPunct="1"/>
-            <a:endParaRPr lang="en-US" smtClean="0"/>
+            <a:endParaRPr lang="en-US"/>
           </a:p>
         </p:txBody>
       </p:sp>
@@ -39470,13 +38857,6 @@
   <p:clrMapOvr>
     <a:masterClrMapping/>
   </p:clrMapOvr>
-  <p:timing>
-    <p:tnLst>
-      <p:par>
-        <p:cTn id="1" dur="indefinite" restart="never" nodeType="tmRoot"/>
-      </p:par>
-    </p:tnLst>
-  </p:timing>
 </p:sld>
 </file>
 
@@ -39518,10 +38898,9 @@
           <a:lstStyle/>
           <a:p>
             <a:r>
-              <a:rPr lang="en-US" dirty="0" smtClean="0"/>
+              <a:rPr lang="en-US" dirty="0"/>
               <a:t>Thinking about these algorithms</a:t>
             </a:r>
-            <a:endParaRPr lang="en-US" dirty="0"/>
           </a:p>
         </p:txBody>
       </p:sp>
@@ -39544,7 +38923,7 @@
           <a:p>
             <a:pPr algn="l"/>
             <a:r>
-              <a:rPr lang="en-US" dirty="0" smtClean="0"/>
+              <a:rPr lang="en-US" dirty="0"/>
               <a:t>Each algorithm uses the following function to determine the “priority” of each node:</a:t>
             </a:r>
           </a:p>
@@ -39555,31 +38934,30 @@
           <a:p>
             <a:pPr algn="l"/>
             <a:r>
-              <a:rPr lang="en-US" dirty="0" smtClean="0"/>
+              <a:rPr lang="en-US" dirty="0"/>
               <a:t>P(x) = w1*f(x) + w2*g(x)</a:t>
             </a:r>
           </a:p>
           <a:p>
             <a:pPr lvl="1" algn="l"/>
             <a:r>
-              <a:rPr lang="en-US" dirty="0" smtClean="0"/>
+              <a:rPr lang="en-US" dirty="0"/>
               <a:t>w1 &amp; w2 are binary weights (1 or 0)</a:t>
             </a:r>
           </a:p>
           <a:p>
             <a:pPr lvl="1" algn="l"/>
             <a:r>
-              <a:rPr lang="en-US" dirty="0" smtClean="0"/>
+              <a:rPr lang="en-US" dirty="0"/>
               <a:t>f(x) is distance traveled so far to node x</a:t>
             </a:r>
           </a:p>
           <a:p>
             <a:pPr lvl="1" algn="l"/>
             <a:r>
-              <a:rPr lang="en-US" dirty="0" smtClean="0"/>
+              <a:rPr lang="en-US" dirty="0"/>
               <a:t>g(x) is heuristic guess as to distance from this node to goal.</a:t>
             </a:r>
-            <a:endParaRPr lang="en-US" dirty="0"/>
           </a:p>
         </p:txBody>
       </p:sp>
@@ -39613,19 +38991,19 @@
           <a:p>
             <a:pPr algn="l"/>
             <a:r>
-              <a:rPr lang="en-US" dirty="0" err="1" smtClean="0"/>
+              <a:rPr lang="en-US" dirty="0" err="1"/>
               <a:t>Dijkstra’s</a:t>
             </a:r>
             <a:r>
-              <a:rPr lang="en-US" dirty="0" smtClean="0"/>
+              <a:rPr lang="en-US" dirty="0"/>
               <a:t> </a:t>
             </a:r>
             <a:r>
-              <a:rPr lang="en-US" dirty="0" err="1" smtClean="0"/>
+              <a:rPr lang="en-US" dirty="0" err="1"/>
               <a:t>Algo</a:t>
             </a:r>
             <a:r>
-              <a:rPr lang="en-US" dirty="0" smtClean="0"/>
+              <a:rPr lang="en-US" dirty="0"/>
               <a:t>:</a:t>
             </a:r>
           </a:p>
@@ -39633,32 +39011,22 @@
             <a:pPr lvl="1" algn="l"/>
             <a:r>
               <a:rPr lang="en-US" dirty="0"/>
-              <a:t>w</a:t>
-            </a:r>
-            <a:r>
-              <a:rPr lang="en-US" dirty="0" smtClean="0"/>
-              <a:t>1 = 1, w2 = </a:t>
-            </a:r>
-            <a:r>
-              <a:rPr lang="en-US" dirty="0" smtClean="0"/>
-              <a:t>0</a:t>
-            </a:r>
-            <a:endParaRPr lang="en-US" dirty="0" smtClean="0"/>
+              <a:t>w1 = 1, w2 = 0</a:t>
+            </a:r>
           </a:p>
           <a:p>
             <a:pPr lvl="1" algn="l"/>
             <a:r>
-              <a:rPr lang="en-US" dirty="0" smtClean="0"/>
+              <a:rPr lang="en-US" dirty="0"/>
               <a:t>f(x) is distance to node x</a:t>
             </a:r>
           </a:p>
           <a:p>
             <a:pPr lvl="1" algn="l"/>
             <a:r>
-              <a:rPr lang="en-US" dirty="0" smtClean="0"/>
+              <a:rPr lang="en-US" dirty="0"/>
               <a:t>No Heuristic included</a:t>
             </a:r>
-            <a:endParaRPr lang="en-US" dirty="0" smtClean="0"/>
           </a:p>
           <a:p>
             <a:pPr lvl="1" algn="l"/>
@@ -39667,7 +39035,7 @@
           <a:p>
             <a:pPr algn="l"/>
             <a:r>
-              <a:rPr lang="en-US" dirty="0" smtClean="0"/>
+              <a:rPr lang="en-US" dirty="0"/>
               <a:t>Best-first search:</a:t>
             </a:r>
           </a:p>
@@ -39675,22 +39043,14 @@
             <a:pPr lvl="1" algn="l"/>
             <a:r>
               <a:rPr lang="en-US" dirty="0"/>
-              <a:t>w</a:t>
-            </a:r>
-            <a:r>
-              <a:rPr lang="en-US" dirty="0" smtClean="0"/>
-              <a:t>1 = 0, w2 = 1</a:t>
+              <a:t>w1 = 0, w2 = 1</a:t>
             </a:r>
           </a:p>
           <a:p>
             <a:pPr lvl="1" algn="l"/>
             <a:r>
               <a:rPr lang="en-US" dirty="0"/>
-              <a:t>g</a:t>
-            </a:r>
-            <a:r>
-              <a:rPr lang="en-US" dirty="0" smtClean="0"/>
-              <a:t>(x) is heuristic guess of distance to goal</a:t>
+              <a:t>g(x) is heuristic guess of distance to goal</a:t>
             </a:r>
           </a:p>
           <a:p>
@@ -39700,7 +39060,7 @@
           <a:p>
             <a:pPr algn="l"/>
             <a:r>
-              <a:rPr lang="en-US" dirty="0" smtClean="0"/>
+              <a:rPr lang="en-US" dirty="0"/>
               <a:t>A*</a:t>
             </a:r>
           </a:p>
@@ -39708,44 +39068,28 @@
             <a:pPr lvl="1" algn="l"/>
             <a:r>
               <a:rPr lang="en-US" dirty="0"/>
-              <a:t>w</a:t>
-            </a:r>
-            <a:r>
-              <a:rPr lang="en-US" dirty="0" smtClean="0"/>
-              <a:t>1 =1, w2 = 1</a:t>
+              <a:t>w1 =1, w2 = 1</a:t>
             </a:r>
           </a:p>
           <a:p>
             <a:pPr lvl="1" algn="l"/>
             <a:r>
               <a:rPr lang="en-US" dirty="0"/>
-              <a:t>f</a:t>
-            </a:r>
-            <a:r>
-              <a:rPr lang="en-US" dirty="0" smtClean="0"/>
-              <a:t>(x) distance to node x</a:t>
+              <a:t>f(x) distance to node x</a:t>
             </a:r>
           </a:p>
           <a:p>
             <a:pPr lvl="1" algn="l"/>
             <a:r>
               <a:rPr lang="en-US" dirty="0"/>
-              <a:t>g</a:t>
-            </a:r>
-            <a:r>
-              <a:rPr lang="en-US" dirty="0" smtClean="0"/>
-              <a:t>(x) heuristic guess of distance to goal</a:t>
+              <a:t>g(x) heuristic guess of distance to goal</a:t>
             </a:r>
           </a:p>
           <a:p>
             <a:pPr lvl="1" algn="l"/>
             <a:r>
               <a:rPr lang="en-US" dirty="0"/>
-              <a:t>g</a:t>
-            </a:r>
-            <a:r>
-              <a:rPr lang="en-US" dirty="0" smtClean="0"/>
-              <a:t>(x) &lt;= actual distance to goal</a:t>
+              <a:t>g(x) &lt;= actual distance to goal</a:t>
             </a:r>
           </a:p>
         </p:txBody>
@@ -39760,13 +39104,6 @@
   <p:clrMapOvr>
     <a:masterClrMapping/>
   </p:clrMapOvr>
-  <p:timing>
-    <p:tnLst>
-      <p:par>
-        <p:cTn id="1" dur="indefinite" restart="never" nodeType="tmRoot"/>
-      </p:par>
-    </p:tnLst>
-  </p:timing>
 </p:sld>
 </file>
 
@@ -39844,7 +39181,7 @@
           <a:lstStyle/>
           <a:p>
             <a:r>
-              <a:rPr lang="en-US" dirty="0" smtClean="0"/>
+              <a:rPr lang="en-US" dirty="0"/>
               <a:t>Array of Adjacency Lists Representation</a:t>
             </a:r>
           </a:p>
@@ -39855,13 +39192,6 @@
   <p:clrMapOvr>
     <a:masterClrMapping/>
   </p:clrMapOvr>
-  <p:timing>
-    <p:tnLst>
-      <p:par>
-        <p:cTn id="1" dur="indefinite" restart="never" nodeType="tmRoot"/>
-      </p:par>
-    </p:tnLst>
-  </p:timing>
 </p:sld>
 </file>
 
@@ -39903,10 +39233,10 @@
           <a:lstStyle/>
           <a:p>
             <a:r>
-              <a:rPr lang="en-US" smtClean="0"/>
+              <a:rPr lang="en-US"/>
               <a:t>Adjacency Matrix for weight digraph</a:t>
             </a:r>
-            <a:endParaRPr lang="en-US" dirty="0" smtClean="0"/>
+            <a:endParaRPr lang="en-US" dirty="0"/>
           </a:p>
         </p:txBody>
       </p:sp>
@@ -39951,13 +39281,6 @@
   <p:clrMapOvr>
     <a:masterClrMapping/>
   </p:clrMapOvr>
-  <p:timing>
-    <p:tnLst>
-      <p:par>
-        <p:cTn id="1" dur="indefinite" restart="never" nodeType="tmRoot"/>
-      </p:par>
-    </p:tnLst>
-  </p:timing>
 </p:sld>
 </file>
 
@@ -40082,13 +39405,6 @@
   <p:clrMapOvr>
     <a:masterClrMapping/>
   </p:clrMapOvr>
-  <p:timing>
-    <p:tnLst>
-      <p:par>
-        <p:cTn id="1" dur="indefinite" restart="never" nodeType="tmRoot"/>
-      </p:par>
-    </p:tnLst>
-  </p:timing>
 </p:sld>
 </file>
 

--- a/slides/05-Search-ClassicalSearch.pptx
+++ b/slides/05-Search-ClassicalSearch.pptx
@@ -38935,7 +38935,7 @@
             <a:pPr algn="l"/>
             <a:r>
               <a:rPr lang="en-US" dirty="0"/>
-              <a:t>P(x) = w1*f(x) + w2*g(x)</a:t>
+              <a:t>P(x) = w1*g(x) + w2*h(x)</a:t>
             </a:r>
           </a:p>
           <a:p>
@@ -38949,14 +38949,14 @@
             <a:pPr lvl="1" algn="l"/>
             <a:r>
               <a:rPr lang="en-US" dirty="0"/>
-              <a:t>f(x) is distance traveled so far to node x</a:t>
+              <a:t>g(x) is distance traveled so far to node x</a:t>
             </a:r>
           </a:p>
           <a:p>
             <a:pPr lvl="1" algn="l"/>
             <a:r>
               <a:rPr lang="en-US" dirty="0"/>
-              <a:t>g(x) is heuristic guess as to distance from this node to goal.</a:t>
+              <a:t>h(x) is heuristic guess as to distance from this node to goal.</a:t>
             </a:r>
           </a:p>
         </p:txBody>
